--- a/Chapter 2. Python for Data Scientists/Module 2. SQL/2. SQL Aggregations.pptx
+++ b/Chapter 2. Python for Data Scientists/Module 2. SQL/2. SQL Aggregations.pptx
@@ -4,6 +4,9 @@
   <p:sldMasterIdLst>
     <p:sldMasterId id="2147483648" r:id="rId1"/>
   </p:sldMasterIdLst>
+  <p:notesMasterIdLst>
+    <p:notesMasterId r:id="rId20"/>
+  </p:notesMasterIdLst>
   <p:sldIdLst>
     <p:sldId id="256" r:id="rId2"/>
     <p:sldId id="257" r:id="rId3"/>
@@ -14,6 +17,15 @@
     <p:sldId id="262" r:id="rId8"/>
     <p:sldId id="263" r:id="rId9"/>
     <p:sldId id="264" r:id="rId10"/>
+    <p:sldId id="265" r:id="rId11"/>
+    <p:sldId id="266" r:id="rId12"/>
+    <p:sldId id="267" r:id="rId13"/>
+    <p:sldId id="269" r:id="rId14"/>
+    <p:sldId id="270" r:id="rId15"/>
+    <p:sldId id="268" r:id="rId16"/>
+    <p:sldId id="271" r:id="rId17"/>
+    <p:sldId id="272" r:id="rId18"/>
+    <p:sldId id="273" r:id="rId19"/>
   </p:sldIdLst>
   <p:sldSz cx="12192000" cy="6858000"/>
   <p:notesSz cx="6858000" cy="9144000"/>
@@ -112,7 +124,1187 @@
       </a:defRPr>
     </a:lvl9pPr>
   </p:defaultTextStyle>
+  <p:extLst>
+    <p:ext uri="{EFAFB233-063F-42B5-8137-9DF3F51BA10A}">
+      <p15:sldGuideLst xmlns:p15="http://schemas.microsoft.com/office/powerpoint/2012/main"/>
+    </p:ext>
+  </p:extLst>
 </p:presentation>
+</file>
+
+<file path=ppt/notesMasters/notesMaster1.xml><?xml version="1.0" encoding="utf-8"?>
+<p:notesMaster xmlns:a="http://schemas.openxmlformats.org/drawingml/2006/main" xmlns:r="http://schemas.openxmlformats.org/officeDocument/2006/relationships" xmlns:p="http://schemas.openxmlformats.org/presentationml/2006/main">
+  <p:cSld>
+    <p:bg>
+      <p:bgRef idx="1001">
+        <a:schemeClr val="bg1"/>
+      </p:bgRef>
+    </p:bg>
+    <p:spTree>
+      <p:nvGrpSpPr>
+        <p:cNvPr id="1" name=""/>
+        <p:cNvGrpSpPr/>
+        <p:nvPr/>
+      </p:nvGrpSpPr>
+      <p:grpSpPr>
+        <a:xfrm>
+          <a:off x="0" y="0"/>
+          <a:ext cx="0" cy="0"/>
+          <a:chOff x="0" y="0"/>
+          <a:chExt cx="0" cy="0"/>
+        </a:xfrm>
+      </p:grpSpPr>
+      <p:sp>
+        <p:nvSpPr>
+          <p:cNvPr id="2" name="Header Placeholder 1"/>
+          <p:cNvSpPr>
+            <a:spLocks noGrp="1"/>
+          </p:cNvSpPr>
+          <p:nvPr>
+            <p:ph type="hdr" sz="quarter"/>
+          </p:nvPr>
+        </p:nvSpPr>
+        <p:spPr>
+          <a:xfrm>
+            <a:off x="0" y="0"/>
+            <a:ext cx="2971800" cy="458788"/>
+          </a:xfrm>
+          <a:prstGeom prst="rect">
+            <a:avLst/>
+          </a:prstGeom>
+        </p:spPr>
+        <p:txBody>
+          <a:bodyPr vert="horz" lIns="91440" tIns="45720" rIns="91440" bIns="45720" rtlCol="0"/>
+          <a:lstStyle>
+            <a:lvl1pPr algn="l">
+              <a:defRPr sz="1200"/>
+            </a:lvl1pPr>
+          </a:lstStyle>
+          <a:p>
+            <a:endParaRPr lang="en-GB"/>
+          </a:p>
+        </p:txBody>
+      </p:sp>
+      <p:sp>
+        <p:nvSpPr>
+          <p:cNvPr id="3" name="Date Placeholder 2"/>
+          <p:cNvSpPr>
+            <a:spLocks noGrp="1"/>
+          </p:cNvSpPr>
+          <p:nvPr>
+            <p:ph type="dt" idx="1"/>
+          </p:nvPr>
+        </p:nvSpPr>
+        <p:spPr>
+          <a:xfrm>
+            <a:off x="3884613" y="0"/>
+            <a:ext cx="2971800" cy="458788"/>
+          </a:xfrm>
+          <a:prstGeom prst="rect">
+            <a:avLst/>
+          </a:prstGeom>
+        </p:spPr>
+        <p:txBody>
+          <a:bodyPr vert="horz" lIns="91440" tIns="45720" rIns="91440" bIns="45720" rtlCol="0"/>
+          <a:lstStyle>
+            <a:lvl1pPr algn="r">
+              <a:defRPr sz="1200"/>
+            </a:lvl1pPr>
+          </a:lstStyle>
+          <a:p>
+            <a:fld id="{1B459E4F-CE09-470E-A053-1F75FE5590FD}" type="datetimeFigureOut">
+              <a:rPr lang="en-GB" smtClean="0"/>
+              <a:t>04/07/2020</a:t>
+            </a:fld>
+            <a:endParaRPr lang="en-GB"/>
+          </a:p>
+        </p:txBody>
+      </p:sp>
+      <p:sp>
+        <p:nvSpPr>
+          <p:cNvPr id="4" name="Slide Image Placeholder 3"/>
+          <p:cNvSpPr>
+            <a:spLocks noGrp="1" noRot="1" noChangeAspect="1"/>
+          </p:cNvSpPr>
+          <p:nvPr>
+            <p:ph type="sldImg" idx="2"/>
+          </p:nvPr>
+        </p:nvSpPr>
+        <p:spPr>
+          <a:xfrm>
+            <a:off x="685800" y="1143000"/>
+            <a:ext cx="5486400" cy="3086100"/>
+          </a:xfrm>
+          <a:prstGeom prst="rect">
+            <a:avLst/>
+          </a:prstGeom>
+          <a:noFill/>
+          <a:ln w="12700">
+            <a:solidFill>
+              <a:prstClr val="black"/>
+            </a:solidFill>
+          </a:ln>
+        </p:spPr>
+        <p:txBody>
+          <a:bodyPr vert="horz" lIns="91440" tIns="45720" rIns="91440" bIns="45720" rtlCol="0" anchor="ctr"/>
+          <a:lstStyle/>
+          <a:p>
+            <a:endParaRPr lang="en-GB"/>
+          </a:p>
+        </p:txBody>
+      </p:sp>
+      <p:sp>
+        <p:nvSpPr>
+          <p:cNvPr id="5" name="Notes Placeholder 4"/>
+          <p:cNvSpPr>
+            <a:spLocks noGrp="1"/>
+          </p:cNvSpPr>
+          <p:nvPr>
+            <p:ph type="body" sz="quarter" idx="3"/>
+          </p:nvPr>
+        </p:nvSpPr>
+        <p:spPr>
+          <a:xfrm>
+            <a:off x="685800" y="4400550"/>
+            <a:ext cx="5486400" cy="3600450"/>
+          </a:xfrm>
+          <a:prstGeom prst="rect">
+            <a:avLst/>
+          </a:prstGeom>
+        </p:spPr>
+        <p:txBody>
+          <a:bodyPr vert="horz" lIns="91440" tIns="45720" rIns="91440" bIns="45720" rtlCol="0"/>
+          <a:lstStyle/>
+          <a:p>
+            <a:pPr lvl="0"/>
+            <a:r>
+              <a:rPr lang="en-US"/>
+              <a:t>Click to edit Master text styles</a:t>
+            </a:r>
+          </a:p>
+          <a:p>
+            <a:pPr lvl="1"/>
+            <a:r>
+              <a:rPr lang="en-US"/>
+              <a:t>Second level</a:t>
+            </a:r>
+          </a:p>
+          <a:p>
+            <a:pPr lvl="2"/>
+            <a:r>
+              <a:rPr lang="en-US"/>
+              <a:t>Third level</a:t>
+            </a:r>
+          </a:p>
+          <a:p>
+            <a:pPr lvl="3"/>
+            <a:r>
+              <a:rPr lang="en-US"/>
+              <a:t>Fourth level</a:t>
+            </a:r>
+          </a:p>
+          <a:p>
+            <a:pPr lvl="4"/>
+            <a:r>
+              <a:rPr lang="en-US"/>
+              <a:t>Fifth level</a:t>
+            </a:r>
+            <a:endParaRPr lang="en-GB"/>
+          </a:p>
+        </p:txBody>
+      </p:sp>
+      <p:sp>
+        <p:nvSpPr>
+          <p:cNvPr id="6" name="Footer Placeholder 5"/>
+          <p:cNvSpPr>
+            <a:spLocks noGrp="1"/>
+          </p:cNvSpPr>
+          <p:nvPr>
+            <p:ph type="ftr" sz="quarter" idx="4"/>
+          </p:nvPr>
+        </p:nvSpPr>
+        <p:spPr>
+          <a:xfrm>
+            <a:off x="0" y="8685213"/>
+            <a:ext cx="2971800" cy="458787"/>
+          </a:xfrm>
+          <a:prstGeom prst="rect">
+            <a:avLst/>
+          </a:prstGeom>
+        </p:spPr>
+        <p:txBody>
+          <a:bodyPr vert="horz" lIns="91440" tIns="45720" rIns="91440" bIns="45720" rtlCol="0" anchor="b"/>
+          <a:lstStyle>
+            <a:lvl1pPr algn="l">
+              <a:defRPr sz="1200"/>
+            </a:lvl1pPr>
+          </a:lstStyle>
+          <a:p>
+            <a:endParaRPr lang="en-GB"/>
+          </a:p>
+        </p:txBody>
+      </p:sp>
+      <p:sp>
+        <p:nvSpPr>
+          <p:cNvPr id="7" name="Slide Number Placeholder 6"/>
+          <p:cNvSpPr>
+            <a:spLocks noGrp="1"/>
+          </p:cNvSpPr>
+          <p:nvPr>
+            <p:ph type="sldNum" sz="quarter" idx="5"/>
+          </p:nvPr>
+        </p:nvSpPr>
+        <p:spPr>
+          <a:xfrm>
+            <a:off x="3884613" y="8685213"/>
+            <a:ext cx="2971800" cy="458787"/>
+          </a:xfrm>
+          <a:prstGeom prst="rect">
+            <a:avLst/>
+          </a:prstGeom>
+        </p:spPr>
+        <p:txBody>
+          <a:bodyPr vert="horz" lIns="91440" tIns="45720" rIns="91440" bIns="45720" rtlCol="0" anchor="b"/>
+          <a:lstStyle>
+            <a:lvl1pPr algn="r">
+              <a:defRPr sz="1200"/>
+            </a:lvl1pPr>
+          </a:lstStyle>
+          <a:p>
+            <a:fld id="{982D019B-EB48-4250-B786-70F23DD5A6BF}" type="slidenum">
+              <a:rPr lang="en-GB" smtClean="0"/>
+              <a:t>‹#›</a:t>
+            </a:fld>
+            <a:endParaRPr lang="en-GB"/>
+          </a:p>
+        </p:txBody>
+      </p:sp>
+    </p:spTree>
+    <p:extLst>
+      <p:ext uri="{BB962C8B-B14F-4D97-AF65-F5344CB8AC3E}">
+        <p14:creationId xmlns:p14="http://schemas.microsoft.com/office/powerpoint/2010/main" val="503183655"/>
+      </p:ext>
+    </p:extLst>
+  </p:cSld>
+  <p:clrMap bg1="lt1" tx1="dk1" bg2="lt2" tx2="dk2" accent1="accent1" accent2="accent2" accent3="accent3" accent4="accent4" accent5="accent5" accent6="accent6" hlink="hlink" folHlink="folHlink"/>
+  <p:notesStyle>
+    <a:lvl1pPr marL="0" algn="l" defTabSz="914400" rtl="0" eaLnBrk="1" latinLnBrk="0" hangingPunct="1">
+      <a:defRPr sz="1200" kern="1200">
+        <a:solidFill>
+          <a:schemeClr val="tx1"/>
+        </a:solidFill>
+        <a:latin typeface="+mn-lt"/>
+        <a:ea typeface="+mn-ea"/>
+        <a:cs typeface="+mn-cs"/>
+      </a:defRPr>
+    </a:lvl1pPr>
+    <a:lvl2pPr marL="457200" algn="l" defTabSz="914400" rtl="0" eaLnBrk="1" latinLnBrk="0" hangingPunct="1">
+      <a:defRPr sz="1200" kern="1200">
+        <a:solidFill>
+          <a:schemeClr val="tx1"/>
+        </a:solidFill>
+        <a:latin typeface="+mn-lt"/>
+        <a:ea typeface="+mn-ea"/>
+        <a:cs typeface="+mn-cs"/>
+      </a:defRPr>
+    </a:lvl2pPr>
+    <a:lvl3pPr marL="914400" algn="l" defTabSz="914400" rtl="0" eaLnBrk="1" latinLnBrk="0" hangingPunct="1">
+      <a:defRPr sz="1200" kern="1200">
+        <a:solidFill>
+          <a:schemeClr val="tx1"/>
+        </a:solidFill>
+        <a:latin typeface="+mn-lt"/>
+        <a:ea typeface="+mn-ea"/>
+        <a:cs typeface="+mn-cs"/>
+      </a:defRPr>
+    </a:lvl3pPr>
+    <a:lvl4pPr marL="1371600" algn="l" defTabSz="914400" rtl="0" eaLnBrk="1" latinLnBrk="0" hangingPunct="1">
+      <a:defRPr sz="1200" kern="1200">
+        <a:solidFill>
+          <a:schemeClr val="tx1"/>
+        </a:solidFill>
+        <a:latin typeface="+mn-lt"/>
+        <a:ea typeface="+mn-ea"/>
+        <a:cs typeface="+mn-cs"/>
+      </a:defRPr>
+    </a:lvl4pPr>
+    <a:lvl5pPr marL="1828800" algn="l" defTabSz="914400" rtl="0" eaLnBrk="1" latinLnBrk="0" hangingPunct="1">
+      <a:defRPr sz="1200" kern="1200">
+        <a:solidFill>
+          <a:schemeClr val="tx1"/>
+        </a:solidFill>
+        <a:latin typeface="+mn-lt"/>
+        <a:ea typeface="+mn-ea"/>
+        <a:cs typeface="+mn-cs"/>
+      </a:defRPr>
+    </a:lvl5pPr>
+    <a:lvl6pPr marL="2286000" algn="l" defTabSz="914400" rtl="0" eaLnBrk="1" latinLnBrk="0" hangingPunct="1">
+      <a:defRPr sz="1200" kern="1200">
+        <a:solidFill>
+          <a:schemeClr val="tx1"/>
+        </a:solidFill>
+        <a:latin typeface="+mn-lt"/>
+        <a:ea typeface="+mn-ea"/>
+        <a:cs typeface="+mn-cs"/>
+      </a:defRPr>
+    </a:lvl6pPr>
+    <a:lvl7pPr marL="2743200" algn="l" defTabSz="914400" rtl="0" eaLnBrk="1" latinLnBrk="0" hangingPunct="1">
+      <a:defRPr sz="1200" kern="1200">
+        <a:solidFill>
+          <a:schemeClr val="tx1"/>
+        </a:solidFill>
+        <a:latin typeface="+mn-lt"/>
+        <a:ea typeface="+mn-ea"/>
+        <a:cs typeface="+mn-cs"/>
+      </a:defRPr>
+    </a:lvl7pPr>
+    <a:lvl8pPr marL="3200400" algn="l" defTabSz="914400" rtl="0" eaLnBrk="1" latinLnBrk="0" hangingPunct="1">
+      <a:defRPr sz="1200" kern="1200">
+        <a:solidFill>
+          <a:schemeClr val="tx1"/>
+        </a:solidFill>
+        <a:latin typeface="+mn-lt"/>
+        <a:ea typeface="+mn-ea"/>
+        <a:cs typeface="+mn-cs"/>
+      </a:defRPr>
+    </a:lvl8pPr>
+    <a:lvl9pPr marL="3657600" algn="l" defTabSz="914400" rtl="0" eaLnBrk="1" latinLnBrk="0" hangingPunct="1">
+      <a:defRPr sz="1200" kern="1200">
+        <a:solidFill>
+          <a:schemeClr val="tx1"/>
+        </a:solidFill>
+        <a:latin typeface="+mn-lt"/>
+        <a:ea typeface="+mn-ea"/>
+        <a:cs typeface="+mn-cs"/>
+      </a:defRPr>
+    </a:lvl9pPr>
+  </p:notesStyle>
+</p:notesMaster>
+</file>
+
+<file path=ppt/notesSlides/notesSlide1.xml><?xml version="1.0" encoding="utf-8"?>
+<p:notes xmlns:a="http://schemas.openxmlformats.org/drawingml/2006/main" xmlns:r="http://schemas.openxmlformats.org/officeDocument/2006/relationships" xmlns:p="http://schemas.openxmlformats.org/presentationml/2006/main">
+  <p:cSld>
+    <p:spTree>
+      <p:nvGrpSpPr>
+        <p:cNvPr id="1" name=""/>
+        <p:cNvGrpSpPr/>
+        <p:nvPr/>
+      </p:nvGrpSpPr>
+      <p:grpSpPr>
+        <a:xfrm>
+          <a:off x="0" y="0"/>
+          <a:ext cx="0" cy="0"/>
+          <a:chOff x="0" y="0"/>
+          <a:chExt cx="0" cy="0"/>
+        </a:xfrm>
+      </p:grpSpPr>
+      <p:sp>
+        <p:nvSpPr>
+          <p:cNvPr id="2" name="Slide Image Placeholder 1"/>
+          <p:cNvSpPr>
+            <a:spLocks noGrp="1" noRot="1" noChangeAspect="1"/>
+          </p:cNvSpPr>
+          <p:nvPr>
+            <p:ph type="sldImg"/>
+          </p:nvPr>
+        </p:nvSpPr>
+        <p:spPr/>
+      </p:sp>
+      <p:sp>
+        <p:nvSpPr>
+          <p:cNvPr id="3" name="Notes Placeholder 2"/>
+          <p:cNvSpPr>
+            <a:spLocks noGrp="1"/>
+          </p:cNvSpPr>
+          <p:nvPr>
+            <p:ph type="body" idx="1"/>
+          </p:nvPr>
+        </p:nvSpPr>
+        <p:spPr/>
+        <p:txBody>
+          <a:bodyPr/>
+          <a:lstStyle/>
+          <a:p>
+            <a:r>
+              <a:rPr lang="en-GB" dirty="0"/>
+              <a:t>Might have to use joins ;)</a:t>
+            </a:r>
+          </a:p>
+          <a:p>
+            <a:r>
+              <a:rPr lang="en-GB" dirty="0"/>
+              <a:t>Sometimes we can use aggregates, other’s SQL</a:t>
+            </a:r>
+          </a:p>
+          <a:p>
+            <a:endParaRPr lang="en-GB" dirty="0"/>
+          </a:p>
+          <a:p>
+            <a:endParaRPr lang="en-GB" dirty="0"/>
+          </a:p>
+          <a:p>
+            <a:r>
+              <a:rPr lang="en-GB" dirty="0"/>
+              <a:t>SELECT AVG(</a:t>
+            </a:r>
+            <a:r>
+              <a:rPr lang="en-GB" dirty="0" err="1"/>
+              <a:t>p.amount</a:t>
+            </a:r>
+            <a:r>
+              <a:rPr lang="en-GB" dirty="0"/>
+              <a:t>), </a:t>
+            </a:r>
+            <a:r>
+              <a:rPr lang="en-GB" dirty="0" err="1"/>
+              <a:t>f.rating</a:t>
+            </a:r>
+            <a:endParaRPr lang="en-GB" dirty="0"/>
+          </a:p>
+          <a:p>
+            <a:r>
+              <a:rPr lang="en-GB" dirty="0"/>
+              <a:t>FROM payment p</a:t>
+            </a:r>
+          </a:p>
+          <a:p>
+            <a:r>
+              <a:rPr lang="en-GB" dirty="0"/>
+              <a:t>JOIN rental r</a:t>
+            </a:r>
+          </a:p>
+          <a:p>
+            <a:r>
+              <a:rPr lang="en-GB" dirty="0"/>
+              <a:t>ON </a:t>
+            </a:r>
+            <a:r>
+              <a:rPr lang="en-GB" dirty="0" err="1"/>
+              <a:t>p.rental_id</a:t>
+            </a:r>
+            <a:r>
+              <a:rPr lang="en-GB" dirty="0"/>
+              <a:t> = </a:t>
+            </a:r>
+            <a:r>
+              <a:rPr lang="en-GB" dirty="0" err="1"/>
+              <a:t>r.rental_id</a:t>
+            </a:r>
+            <a:endParaRPr lang="en-GB" dirty="0"/>
+          </a:p>
+          <a:p>
+            <a:r>
+              <a:rPr lang="en-GB" dirty="0"/>
+              <a:t>JOIN inventory </a:t>
+            </a:r>
+            <a:r>
+              <a:rPr lang="en-GB" dirty="0" err="1"/>
+              <a:t>i</a:t>
+            </a:r>
+            <a:endParaRPr lang="en-GB" dirty="0"/>
+          </a:p>
+          <a:p>
+            <a:r>
+              <a:rPr lang="en-GB" dirty="0"/>
+              <a:t>ON </a:t>
+            </a:r>
+            <a:r>
+              <a:rPr lang="en-GB" dirty="0" err="1"/>
+              <a:t>r.inventory_id</a:t>
+            </a:r>
+            <a:r>
+              <a:rPr lang="en-GB" dirty="0"/>
+              <a:t> = </a:t>
+            </a:r>
+            <a:r>
+              <a:rPr lang="en-GB" dirty="0" err="1"/>
+              <a:t>i.inventory_id</a:t>
+            </a:r>
+            <a:endParaRPr lang="en-GB" dirty="0"/>
+          </a:p>
+          <a:p>
+            <a:r>
+              <a:rPr lang="en-GB" dirty="0"/>
+              <a:t>JOIN film f</a:t>
+            </a:r>
+          </a:p>
+          <a:p>
+            <a:r>
+              <a:rPr lang="en-GB" dirty="0"/>
+              <a:t>ON </a:t>
+            </a:r>
+            <a:r>
+              <a:rPr lang="en-GB" dirty="0" err="1"/>
+              <a:t>i.film_id</a:t>
+            </a:r>
+            <a:r>
+              <a:rPr lang="en-GB" dirty="0"/>
+              <a:t> = </a:t>
+            </a:r>
+            <a:r>
+              <a:rPr lang="en-GB" dirty="0" err="1"/>
+              <a:t>f.film_id</a:t>
+            </a:r>
+            <a:endParaRPr lang="en-GB" dirty="0"/>
+          </a:p>
+          <a:p>
+            <a:r>
+              <a:rPr lang="en-GB" dirty="0"/>
+              <a:t>GROUP BY </a:t>
+            </a:r>
+            <a:r>
+              <a:rPr lang="en-GB" dirty="0" err="1"/>
+              <a:t>f.rating</a:t>
+            </a:r>
+            <a:endParaRPr lang="en-GB" dirty="0"/>
+          </a:p>
+        </p:txBody>
+      </p:sp>
+      <p:sp>
+        <p:nvSpPr>
+          <p:cNvPr id="4" name="Slide Number Placeholder 3"/>
+          <p:cNvSpPr>
+            <a:spLocks noGrp="1"/>
+          </p:cNvSpPr>
+          <p:nvPr>
+            <p:ph type="sldNum" sz="quarter" idx="5"/>
+          </p:nvPr>
+        </p:nvSpPr>
+        <p:spPr/>
+        <p:txBody>
+          <a:bodyPr/>
+          <a:lstStyle/>
+          <a:p>
+            <a:fld id="{982D019B-EB48-4250-B786-70F23DD5A6BF}" type="slidenum">
+              <a:rPr lang="en-GB" smtClean="0"/>
+              <a:t>9</a:t>
+            </a:fld>
+            <a:endParaRPr lang="en-GB"/>
+          </a:p>
+        </p:txBody>
+      </p:sp>
+    </p:spTree>
+    <p:extLst>
+      <p:ext uri="{BB962C8B-B14F-4D97-AF65-F5344CB8AC3E}">
+        <p14:creationId xmlns:p14="http://schemas.microsoft.com/office/powerpoint/2010/main" val="2379736908"/>
+      </p:ext>
+    </p:extLst>
+  </p:cSld>
+  <p:clrMapOvr>
+    <a:masterClrMapping/>
+  </p:clrMapOvr>
+</p:notes>
+</file>
+
+<file path=ppt/notesSlides/notesSlide2.xml><?xml version="1.0" encoding="utf-8"?>
+<p:notes xmlns:a="http://schemas.openxmlformats.org/drawingml/2006/main" xmlns:r="http://schemas.openxmlformats.org/officeDocument/2006/relationships" xmlns:p="http://schemas.openxmlformats.org/presentationml/2006/main">
+  <p:cSld>
+    <p:spTree>
+      <p:nvGrpSpPr>
+        <p:cNvPr id="1" name=""/>
+        <p:cNvGrpSpPr/>
+        <p:nvPr/>
+      </p:nvGrpSpPr>
+      <p:grpSpPr>
+        <a:xfrm>
+          <a:off x="0" y="0"/>
+          <a:ext cx="0" cy="0"/>
+          <a:chOff x="0" y="0"/>
+          <a:chExt cx="0" cy="0"/>
+        </a:xfrm>
+      </p:grpSpPr>
+      <p:sp>
+        <p:nvSpPr>
+          <p:cNvPr id="2" name="Slide Image Placeholder 1"/>
+          <p:cNvSpPr>
+            <a:spLocks noGrp="1" noRot="1" noChangeAspect="1"/>
+          </p:cNvSpPr>
+          <p:nvPr>
+            <p:ph type="sldImg"/>
+          </p:nvPr>
+        </p:nvSpPr>
+        <p:spPr/>
+      </p:sp>
+      <p:sp>
+        <p:nvSpPr>
+          <p:cNvPr id="3" name="Notes Placeholder 2"/>
+          <p:cNvSpPr>
+            <a:spLocks noGrp="1"/>
+          </p:cNvSpPr>
+          <p:nvPr>
+            <p:ph type="body" idx="1"/>
+          </p:nvPr>
+        </p:nvSpPr>
+        <p:spPr/>
+        <p:txBody>
+          <a:bodyPr/>
+          <a:lstStyle/>
+          <a:p>
+            <a:endParaRPr lang="en-GB" dirty="0"/>
+          </a:p>
+        </p:txBody>
+      </p:sp>
+      <p:sp>
+        <p:nvSpPr>
+          <p:cNvPr id="4" name="Slide Number Placeholder 3"/>
+          <p:cNvSpPr>
+            <a:spLocks noGrp="1"/>
+          </p:cNvSpPr>
+          <p:nvPr>
+            <p:ph type="sldNum" sz="quarter" idx="5"/>
+          </p:nvPr>
+        </p:nvSpPr>
+        <p:spPr/>
+        <p:txBody>
+          <a:bodyPr/>
+          <a:lstStyle/>
+          <a:p>
+            <a:fld id="{982D019B-EB48-4250-B786-70F23DD5A6BF}" type="slidenum">
+              <a:rPr lang="en-GB" smtClean="0"/>
+              <a:t>14</a:t>
+            </a:fld>
+            <a:endParaRPr lang="en-GB"/>
+          </a:p>
+        </p:txBody>
+      </p:sp>
+    </p:spTree>
+    <p:extLst>
+      <p:ext uri="{BB962C8B-B14F-4D97-AF65-F5344CB8AC3E}">
+        <p14:creationId xmlns:p14="http://schemas.microsoft.com/office/powerpoint/2010/main" val="2423704233"/>
+      </p:ext>
+    </p:extLst>
+  </p:cSld>
+  <p:clrMapOvr>
+    <a:masterClrMapping/>
+  </p:clrMapOvr>
+</p:notes>
+</file>
+
+<file path=ppt/notesSlides/notesSlide3.xml><?xml version="1.0" encoding="utf-8"?>
+<p:notes xmlns:a="http://schemas.openxmlformats.org/drawingml/2006/main" xmlns:r="http://schemas.openxmlformats.org/officeDocument/2006/relationships" xmlns:p="http://schemas.openxmlformats.org/presentationml/2006/main">
+  <p:cSld>
+    <p:spTree>
+      <p:nvGrpSpPr>
+        <p:cNvPr id="1" name=""/>
+        <p:cNvGrpSpPr/>
+        <p:nvPr/>
+      </p:nvGrpSpPr>
+      <p:grpSpPr>
+        <a:xfrm>
+          <a:off x="0" y="0"/>
+          <a:ext cx="0" cy="0"/>
+          <a:chOff x="0" y="0"/>
+          <a:chExt cx="0" cy="0"/>
+        </a:xfrm>
+      </p:grpSpPr>
+      <p:sp>
+        <p:nvSpPr>
+          <p:cNvPr id="2" name="Slide Image Placeholder 1"/>
+          <p:cNvSpPr>
+            <a:spLocks noGrp="1" noRot="1" noChangeAspect="1"/>
+          </p:cNvSpPr>
+          <p:nvPr>
+            <p:ph type="sldImg"/>
+          </p:nvPr>
+        </p:nvSpPr>
+        <p:spPr/>
+      </p:sp>
+      <p:sp>
+        <p:nvSpPr>
+          <p:cNvPr id="3" name="Notes Placeholder 2"/>
+          <p:cNvSpPr>
+            <a:spLocks noGrp="1"/>
+          </p:cNvSpPr>
+          <p:nvPr>
+            <p:ph type="body" idx="1"/>
+          </p:nvPr>
+        </p:nvSpPr>
+        <p:spPr/>
+        <p:txBody>
+          <a:bodyPr/>
+          <a:lstStyle/>
+          <a:p>
+            <a:pPr marL="0" marR="0" lvl="0" indent="0" algn="l" defTabSz="914400" rtl="0" eaLnBrk="1" fontAlgn="auto" latinLnBrk="0" hangingPunct="1">
+              <a:lnSpc>
+                <a:spcPct val="100000"/>
+              </a:lnSpc>
+              <a:spcBef>
+                <a:spcPts val="0"/>
+              </a:spcBef>
+              <a:spcAft>
+                <a:spcPts val="0"/>
+              </a:spcAft>
+              <a:buClrTx/>
+              <a:buSzTx/>
+              <a:buFontTx/>
+              <a:buNone/>
+              <a:tabLst/>
+              <a:defRPr/>
+            </a:pPr>
+            <a:r>
+              <a:rPr lang="en-GB" dirty="0"/>
+              <a:t>SELECT </a:t>
+            </a:r>
+            <a:r>
+              <a:rPr lang="en-GB" dirty="0" err="1"/>
+              <a:t>c.customer_id</a:t>
+            </a:r>
+            <a:r>
+              <a:rPr lang="en-GB" dirty="0"/>
+              <a:t>, SUM(</a:t>
+            </a:r>
+            <a:r>
+              <a:rPr lang="en-GB" dirty="0" err="1"/>
+              <a:t>p.amount</a:t>
+            </a:r>
+            <a:r>
+              <a:rPr lang="en-GB" dirty="0"/>
+              <a:t>) as </a:t>
+            </a:r>
+            <a:r>
+              <a:rPr lang="en-GB" dirty="0" err="1"/>
+              <a:t>total_spent</a:t>
+            </a:r>
+            <a:br>
+              <a:rPr lang="en-GB" dirty="0"/>
+            </a:br>
+            <a:r>
+              <a:rPr lang="en-GB" dirty="0"/>
+              <a:t>FROM customer c</a:t>
+            </a:r>
+            <a:br>
+              <a:rPr lang="en-GB" dirty="0"/>
+            </a:br>
+            <a:r>
+              <a:rPr lang="en-GB" dirty="0"/>
+              <a:t>JOIN payment p</a:t>
+            </a:r>
+            <a:br>
+              <a:rPr lang="en-GB" dirty="0"/>
+            </a:br>
+            <a:r>
+              <a:rPr lang="en-GB" dirty="0"/>
+              <a:t>ON </a:t>
+            </a:r>
+            <a:r>
+              <a:rPr lang="en-GB" dirty="0" err="1"/>
+              <a:t>p.customer_id</a:t>
+            </a:r>
+            <a:r>
+              <a:rPr lang="en-GB" dirty="0"/>
+              <a:t> = </a:t>
+            </a:r>
+            <a:r>
+              <a:rPr lang="en-GB" dirty="0" err="1"/>
+              <a:t>c.customer_id</a:t>
+            </a:r>
+            <a:br>
+              <a:rPr lang="en-GB" dirty="0"/>
+            </a:br>
+            <a:r>
+              <a:rPr lang="en-GB" dirty="0"/>
+              <a:t>GROUP BY </a:t>
+            </a:r>
+            <a:r>
+              <a:rPr lang="en-GB" dirty="0" err="1"/>
+              <a:t>c.customer_id</a:t>
+            </a:r>
+            <a:br>
+              <a:rPr lang="en-GB" dirty="0"/>
+            </a:br>
+            <a:r>
+              <a:rPr lang="en-GB" dirty="0"/>
+              <a:t>HAVING SUM(</a:t>
+            </a:r>
+            <a:r>
+              <a:rPr lang="en-GB" dirty="0" err="1"/>
+              <a:t>p.amount</a:t>
+            </a:r>
+            <a:r>
+              <a:rPr lang="en-GB" dirty="0"/>
+              <a:t>) &gt; 100</a:t>
+            </a:r>
+            <a:br>
+              <a:rPr lang="en-GB" dirty="0"/>
+            </a:br>
+            <a:r>
+              <a:rPr lang="en-GB" dirty="0"/>
+              <a:t>ORDER BY </a:t>
+            </a:r>
+            <a:r>
+              <a:rPr lang="en-GB" dirty="0" err="1"/>
+              <a:t>c.customer_id</a:t>
+            </a:r>
+            <a:endParaRPr lang="en-GB" dirty="0"/>
+          </a:p>
+          <a:p>
+            <a:endParaRPr lang="en-GB" dirty="0"/>
+          </a:p>
+          <a:p>
+            <a:endParaRPr lang="en-GB" dirty="0"/>
+          </a:p>
+          <a:p>
+            <a:r>
+              <a:rPr lang="en-GB" dirty="0"/>
+              <a:t>SELECT </a:t>
+            </a:r>
+            <a:r>
+              <a:rPr lang="en-GB" dirty="0" err="1"/>
+              <a:t>city.city</a:t>
+            </a:r>
+            <a:r>
+              <a:rPr lang="en-GB" dirty="0"/>
+              <a:t>, SUM(</a:t>
+            </a:r>
+            <a:r>
+              <a:rPr lang="en-GB" dirty="0" err="1"/>
+              <a:t>p.amount</a:t>
+            </a:r>
+            <a:r>
+              <a:rPr lang="en-GB" dirty="0"/>
+              <a:t>) as </a:t>
+            </a:r>
+            <a:r>
+              <a:rPr lang="en-GB" dirty="0" err="1"/>
+              <a:t>total_spent</a:t>
+            </a:r>
+            <a:endParaRPr lang="en-GB" dirty="0"/>
+          </a:p>
+          <a:p>
+            <a:r>
+              <a:rPr lang="en-GB" dirty="0"/>
+              <a:t>FROM address a</a:t>
+            </a:r>
+          </a:p>
+          <a:p>
+            <a:r>
+              <a:rPr lang="en-GB" dirty="0"/>
+              <a:t>JOIN customer c</a:t>
+            </a:r>
+          </a:p>
+          <a:p>
+            <a:r>
+              <a:rPr lang="en-GB" dirty="0"/>
+              <a:t>ON </a:t>
+            </a:r>
+            <a:r>
+              <a:rPr lang="en-GB" dirty="0" err="1"/>
+              <a:t>c.address_id</a:t>
+            </a:r>
+            <a:r>
+              <a:rPr lang="en-GB" dirty="0"/>
+              <a:t> = </a:t>
+            </a:r>
+            <a:r>
+              <a:rPr lang="en-GB" dirty="0" err="1"/>
+              <a:t>a.address_id</a:t>
+            </a:r>
+            <a:endParaRPr lang="en-GB" dirty="0"/>
+          </a:p>
+          <a:p>
+            <a:r>
+              <a:rPr lang="en-GB" dirty="0"/>
+              <a:t>JOIN payment p</a:t>
+            </a:r>
+          </a:p>
+          <a:p>
+            <a:r>
+              <a:rPr lang="en-GB" dirty="0"/>
+              <a:t>ON </a:t>
+            </a:r>
+            <a:r>
+              <a:rPr lang="en-GB" dirty="0" err="1"/>
+              <a:t>p.customer_id</a:t>
+            </a:r>
+            <a:r>
+              <a:rPr lang="en-GB" dirty="0"/>
+              <a:t> = </a:t>
+            </a:r>
+            <a:r>
+              <a:rPr lang="en-GB" dirty="0" err="1"/>
+              <a:t>c.customer_id</a:t>
+            </a:r>
+            <a:endParaRPr lang="en-GB" dirty="0"/>
+          </a:p>
+          <a:p>
+            <a:r>
+              <a:rPr lang="en-GB" dirty="0"/>
+              <a:t>JOIN city</a:t>
+            </a:r>
+          </a:p>
+          <a:p>
+            <a:r>
+              <a:rPr lang="en-GB" dirty="0"/>
+              <a:t>ON </a:t>
+            </a:r>
+            <a:r>
+              <a:rPr lang="en-GB" dirty="0" err="1"/>
+              <a:t>a.city_id</a:t>
+            </a:r>
+            <a:r>
+              <a:rPr lang="en-GB" dirty="0"/>
+              <a:t> = </a:t>
+            </a:r>
+            <a:r>
+              <a:rPr lang="en-GB" dirty="0" err="1"/>
+              <a:t>city.city_id</a:t>
+            </a:r>
+            <a:endParaRPr lang="en-GB" dirty="0"/>
+          </a:p>
+          <a:p>
+            <a:r>
+              <a:rPr lang="en-GB" dirty="0"/>
+              <a:t>GROUP BY </a:t>
+            </a:r>
+            <a:r>
+              <a:rPr lang="en-GB" dirty="0" err="1"/>
+              <a:t>city.city</a:t>
+            </a:r>
+            <a:r>
+              <a:rPr lang="en-GB" dirty="0"/>
+              <a:t>, </a:t>
+            </a:r>
+            <a:r>
+              <a:rPr lang="en-GB" dirty="0" err="1"/>
+              <a:t>a.city_id</a:t>
+            </a:r>
+            <a:endParaRPr lang="en-GB" dirty="0"/>
+          </a:p>
+          <a:p>
+            <a:r>
+              <a:rPr lang="en-GB" dirty="0"/>
+              <a:t>HAVING SUM(</a:t>
+            </a:r>
+            <a:r>
+              <a:rPr lang="en-GB" dirty="0" err="1"/>
+              <a:t>p.amount</a:t>
+            </a:r>
+            <a:r>
+              <a:rPr lang="en-GB" dirty="0"/>
+              <a:t>) &gt; 150</a:t>
+            </a:r>
+          </a:p>
+          <a:p>
+            <a:r>
+              <a:rPr lang="en-GB" dirty="0"/>
+              <a:t>ORDER BY </a:t>
+            </a:r>
+            <a:r>
+              <a:rPr lang="en-GB" dirty="0" err="1"/>
+              <a:t>a.city_id</a:t>
+            </a:r>
+            <a:endParaRPr lang="en-GB" dirty="0"/>
+          </a:p>
+        </p:txBody>
+      </p:sp>
+      <p:sp>
+        <p:nvSpPr>
+          <p:cNvPr id="4" name="Slide Number Placeholder 3"/>
+          <p:cNvSpPr>
+            <a:spLocks noGrp="1"/>
+          </p:cNvSpPr>
+          <p:nvPr>
+            <p:ph type="sldNum" sz="quarter" idx="5"/>
+          </p:nvPr>
+        </p:nvSpPr>
+        <p:spPr/>
+        <p:txBody>
+          <a:bodyPr/>
+          <a:lstStyle/>
+          <a:p>
+            <a:fld id="{982D019B-EB48-4250-B786-70F23DD5A6BF}" type="slidenum">
+              <a:rPr lang="en-GB" smtClean="0"/>
+              <a:t>15</a:t>
+            </a:fld>
+            <a:endParaRPr lang="en-GB"/>
+          </a:p>
+        </p:txBody>
+      </p:sp>
+    </p:spTree>
+    <p:extLst>
+      <p:ext uri="{BB962C8B-B14F-4D97-AF65-F5344CB8AC3E}">
+        <p14:creationId xmlns:p14="http://schemas.microsoft.com/office/powerpoint/2010/main" val="1676771831"/>
+      </p:ext>
+    </p:extLst>
+  </p:cSld>
+  <p:clrMapOvr>
+    <a:masterClrMapping/>
+  </p:clrMapOvr>
+</p:notes>
+</file>
+
+<file path=ppt/notesSlides/notesSlide4.xml><?xml version="1.0" encoding="utf-8"?>
+<p:notes xmlns:a="http://schemas.openxmlformats.org/drawingml/2006/main" xmlns:r="http://schemas.openxmlformats.org/officeDocument/2006/relationships" xmlns:p="http://schemas.openxmlformats.org/presentationml/2006/main">
+  <p:cSld>
+    <p:spTree>
+      <p:nvGrpSpPr>
+        <p:cNvPr id="1" name=""/>
+        <p:cNvGrpSpPr/>
+        <p:nvPr/>
+      </p:nvGrpSpPr>
+      <p:grpSpPr>
+        <a:xfrm>
+          <a:off x="0" y="0"/>
+          <a:ext cx="0" cy="0"/>
+          <a:chOff x="0" y="0"/>
+          <a:chExt cx="0" cy="0"/>
+        </a:xfrm>
+      </p:grpSpPr>
+      <p:sp>
+        <p:nvSpPr>
+          <p:cNvPr id="2" name="Slide Image Placeholder 1"/>
+          <p:cNvSpPr>
+            <a:spLocks noGrp="1" noRot="1" noChangeAspect="1"/>
+          </p:cNvSpPr>
+          <p:nvPr>
+            <p:ph type="sldImg"/>
+          </p:nvPr>
+        </p:nvSpPr>
+        <p:spPr/>
+      </p:sp>
+      <p:sp>
+        <p:nvSpPr>
+          <p:cNvPr id="3" name="Notes Placeholder 2"/>
+          <p:cNvSpPr>
+            <a:spLocks noGrp="1"/>
+          </p:cNvSpPr>
+          <p:nvPr>
+            <p:ph type="body" idx="1"/>
+          </p:nvPr>
+        </p:nvSpPr>
+        <p:spPr/>
+        <p:txBody>
+          <a:bodyPr/>
+          <a:lstStyle/>
+          <a:p>
+            <a:r>
+              <a:rPr lang="en-GB" dirty="0"/>
+              <a:t>SELECT </a:t>
+            </a:r>
+          </a:p>
+          <a:p>
+            <a:r>
+              <a:rPr lang="en-GB" dirty="0"/>
+              <a:t>CASE </a:t>
+            </a:r>
+          </a:p>
+          <a:p>
+            <a:r>
+              <a:rPr lang="en-GB" dirty="0"/>
+              <a:t>  WHEN </a:t>
+            </a:r>
+            <a:r>
+              <a:rPr lang="en-GB" dirty="0" err="1"/>
+              <a:t>p.amount</a:t>
+            </a:r>
+            <a:r>
+              <a:rPr lang="en-GB" dirty="0"/>
+              <a:t> &lt; 3 THEN '1. low'</a:t>
+            </a:r>
+          </a:p>
+          <a:p>
+            <a:r>
+              <a:rPr lang="en-GB" dirty="0"/>
+              <a:t>  WHEN </a:t>
+            </a:r>
+            <a:r>
+              <a:rPr lang="en-GB" dirty="0" err="1"/>
+              <a:t>p.amount</a:t>
+            </a:r>
+            <a:r>
+              <a:rPr lang="en-GB" dirty="0"/>
+              <a:t> &gt; 3 AND </a:t>
+            </a:r>
+            <a:r>
+              <a:rPr lang="en-GB" dirty="0" err="1"/>
+              <a:t>p.amount</a:t>
+            </a:r>
+            <a:r>
+              <a:rPr lang="en-GB" dirty="0"/>
+              <a:t> &lt; 7 THEN '2. medium'</a:t>
+            </a:r>
+          </a:p>
+          <a:p>
+            <a:r>
+              <a:rPr lang="en-GB" dirty="0"/>
+              <a:t>  ELSE '3. high'</a:t>
+            </a:r>
+          </a:p>
+          <a:p>
+            <a:r>
+              <a:rPr lang="en-GB" dirty="0"/>
+              <a:t>END,</a:t>
+            </a:r>
+          </a:p>
+          <a:p>
+            <a:r>
+              <a:rPr lang="en-GB" dirty="0"/>
+              <a:t>COUNT(</a:t>
+            </a:r>
+            <a:r>
+              <a:rPr lang="en-GB" dirty="0" err="1"/>
+              <a:t>p.customer_id</a:t>
+            </a:r>
+            <a:r>
+              <a:rPr lang="en-GB" dirty="0"/>
+              <a:t>)</a:t>
+            </a:r>
+          </a:p>
+          <a:p>
+            <a:r>
+              <a:rPr lang="en-GB" dirty="0"/>
+              <a:t>FROM payment p</a:t>
+            </a:r>
+          </a:p>
+          <a:p>
+            <a:r>
+              <a:rPr lang="en-GB" dirty="0"/>
+              <a:t>GROUP BY 1</a:t>
+            </a:r>
+          </a:p>
+          <a:p>
+            <a:r>
+              <a:rPr lang="en-GB" dirty="0"/>
+              <a:t>ORDER BY 1</a:t>
+            </a:r>
+          </a:p>
+        </p:txBody>
+      </p:sp>
+      <p:sp>
+        <p:nvSpPr>
+          <p:cNvPr id="4" name="Slide Number Placeholder 3"/>
+          <p:cNvSpPr>
+            <a:spLocks noGrp="1"/>
+          </p:cNvSpPr>
+          <p:nvPr>
+            <p:ph type="sldNum" sz="quarter" idx="5"/>
+          </p:nvPr>
+        </p:nvSpPr>
+        <p:spPr/>
+        <p:txBody>
+          <a:bodyPr/>
+          <a:lstStyle/>
+          <a:p>
+            <a:fld id="{982D019B-EB48-4250-B786-70F23DD5A6BF}" type="slidenum">
+              <a:rPr lang="en-GB" smtClean="0"/>
+              <a:t>18</a:t>
+            </a:fld>
+            <a:endParaRPr lang="en-GB"/>
+          </a:p>
+        </p:txBody>
+      </p:sp>
+    </p:spTree>
+    <p:extLst>
+      <p:ext uri="{BB962C8B-B14F-4D97-AF65-F5344CB8AC3E}">
+        <p14:creationId xmlns:p14="http://schemas.microsoft.com/office/powerpoint/2010/main" val="2417823456"/>
+      </p:ext>
+    </p:extLst>
+  </p:cSld>
+  <p:clrMapOvr>
+    <a:masterClrMapping/>
+  </p:clrMapOvr>
+</p:notes>
 </file>
 
 <file path=ppt/slideLayouts/slideLayout1.xml><?xml version="1.0" encoding="utf-8"?>
@@ -264,7 +1456,7 @@
           <a:p>
             <a:fld id="{139FB17E-009F-48E4-A3F5-EB7575EAFD61}" type="datetimeFigureOut">
               <a:rPr lang="en-GB" smtClean="0"/>
-              <a:t>02/07/2020</a:t>
+              <a:t>04/07/2020</a:t>
             </a:fld>
             <a:endParaRPr lang="en-GB"/>
           </a:p>
@@ -464,7 +1656,7 @@
           <a:p>
             <a:fld id="{139FB17E-009F-48E4-A3F5-EB7575EAFD61}" type="datetimeFigureOut">
               <a:rPr lang="en-GB" smtClean="0"/>
-              <a:t>02/07/2020</a:t>
+              <a:t>04/07/2020</a:t>
             </a:fld>
             <a:endParaRPr lang="en-GB"/>
           </a:p>
@@ -674,7 +1866,7 @@
           <a:p>
             <a:fld id="{139FB17E-009F-48E4-A3F5-EB7575EAFD61}" type="datetimeFigureOut">
               <a:rPr lang="en-GB" smtClean="0"/>
-              <a:t>02/07/2020</a:t>
+              <a:t>04/07/2020</a:t>
             </a:fld>
             <a:endParaRPr lang="en-GB"/>
           </a:p>
@@ -874,7 +2066,7 @@
           <a:p>
             <a:fld id="{139FB17E-009F-48E4-A3F5-EB7575EAFD61}" type="datetimeFigureOut">
               <a:rPr lang="en-GB" smtClean="0"/>
-              <a:t>02/07/2020</a:t>
+              <a:t>04/07/2020</a:t>
             </a:fld>
             <a:endParaRPr lang="en-GB"/>
           </a:p>
@@ -1150,7 +2342,7 @@
           <a:p>
             <a:fld id="{139FB17E-009F-48E4-A3F5-EB7575EAFD61}" type="datetimeFigureOut">
               <a:rPr lang="en-GB" smtClean="0"/>
-              <a:t>02/07/2020</a:t>
+              <a:t>04/07/2020</a:t>
             </a:fld>
             <a:endParaRPr lang="en-GB"/>
           </a:p>
@@ -1418,7 +2610,7 @@
           <a:p>
             <a:fld id="{139FB17E-009F-48E4-A3F5-EB7575EAFD61}" type="datetimeFigureOut">
               <a:rPr lang="en-GB" smtClean="0"/>
-              <a:t>02/07/2020</a:t>
+              <a:t>04/07/2020</a:t>
             </a:fld>
             <a:endParaRPr lang="en-GB"/>
           </a:p>
@@ -1833,7 +3025,7 @@
           <a:p>
             <a:fld id="{139FB17E-009F-48E4-A3F5-EB7575EAFD61}" type="datetimeFigureOut">
               <a:rPr lang="en-GB" smtClean="0"/>
-              <a:t>02/07/2020</a:t>
+              <a:t>04/07/2020</a:t>
             </a:fld>
             <a:endParaRPr lang="en-GB"/>
           </a:p>
@@ -1975,7 +3167,7 @@
           <a:p>
             <a:fld id="{139FB17E-009F-48E4-A3F5-EB7575EAFD61}" type="datetimeFigureOut">
               <a:rPr lang="en-GB" smtClean="0"/>
-              <a:t>02/07/2020</a:t>
+              <a:t>04/07/2020</a:t>
             </a:fld>
             <a:endParaRPr lang="en-GB"/>
           </a:p>
@@ -2088,7 +3280,7 @@
           <a:p>
             <a:fld id="{139FB17E-009F-48E4-A3F5-EB7575EAFD61}" type="datetimeFigureOut">
               <a:rPr lang="en-GB" smtClean="0"/>
-              <a:t>02/07/2020</a:t>
+              <a:t>04/07/2020</a:t>
             </a:fld>
             <a:endParaRPr lang="en-GB"/>
           </a:p>
@@ -2401,7 +3593,7 @@
           <a:p>
             <a:fld id="{139FB17E-009F-48E4-A3F5-EB7575EAFD61}" type="datetimeFigureOut">
               <a:rPr lang="en-GB" smtClean="0"/>
-              <a:t>02/07/2020</a:t>
+              <a:t>04/07/2020</a:t>
             </a:fld>
             <a:endParaRPr lang="en-GB"/>
           </a:p>
@@ -2690,7 +3882,7 @@
           <a:p>
             <a:fld id="{139FB17E-009F-48E4-A3F5-EB7575EAFD61}" type="datetimeFigureOut">
               <a:rPr lang="en-GB" smtClean="0"/>
-              <a:t>02/07/2020</a:t>
+              <a:t>04/07/2020</a:t>
             </a:fld>
             <a:endParaRPr lang="en-GB"/>
           </a:p>
@@ -2933,7 +4125,7 @@
           <a:p>
             <a:fld id="{139FB17E-009F-48E4-A3F5-EB7575EAFD61}" type="datetimeFigureOut">
               <a:rPr lang="en-GB" smtClean="0"/>
-              <a:t>02/07/2020</a:t>
+              <a:t>04/07/2020</a:t>
             </a:fld>
             <a:endParaRPr lang="en-GB"/>
           </a:p>
@@ -3419,6 +4611,2063 @@
 </p:sld>
 </file>
 
+<file path=ppt/slides/slide10.xml><?xml version="1.0" encoding="utf-8"?>
+<p:sld xmlns:a="http://schemas.openxmlformats.org/drawingml/2006/main" xmlns:r="http://schemas.openxmlformats.org/officeDocument/2006/relationships" xmlns:p="http://schemas.openxmlformats.org/presentationml/2006/main">
+  <p:cSld>
+    <p:spTree>
+      <p:nvGrpSpPr>
+        <p:cNvPr id="1" name=""/>
+        <p:cNvGrpSpPr/>
+        <p:nvPr/>
+      </p:nvGrpSpPr>
+      <p:grpSpPr>
+        <a:xfrm>
+          <a:off x="0" y="0"/>
+          <a:ext cx="0" cy="0"/>
+          <a:chOff x="0" y="0"/>
+          <a:chExt cx="0" cy="0"/>
+        </a:xfrm>
+      </p:grpSpPr>
+      <p:sp>
+        <p:nvSpPr>
+          <p:cNvPr id="2" name="Title 1">
+            <a:extLst>
+              <a:ext uri="{FF2B5EF4-FFF2-40B4-BE49-F238E27FC236}">
+                <a16:creationId xmlns:a16="http://schemas.microsoft.com/office/drawing/2014/main" id="{6219E360-59AB-4FAA-A58B-0E3E50C8FA77}"/>
+              </a:ext>
+            </a:extLst>
+          </p:cNvPr>
+          <p:cNvSpPr>
+            <a:spLocks noGrp="1"/>
+          </p:cNvSpPr>
+          <p:nvPr>
+            <p:ph type="title"/>
+          </p:nvPr>
+        </p:nvSpPr>
+        <p:spPr/>
+        <p:txBody>
+          <a:bodyPr/>
+          <a:lstStyle/>
+          <a:p>
+            <a:r>
+              <a:rPr lang="en-GB" dirty="0"/>
+              <a:t>DISTINCT</a:t>
+            </a:r>
+          </a:p>
+        </p:txBody>
+      </p:sp>
+      <p:sp>
+        <p:nvSpPr>
+          <p:cNvPr id="3" name="Content Placeholder 2">
+            <a:extLst>
+              <a:ext uri="{FF2B5EF4-FFF2-40B4-BE49-F238E27FC236}">
+                <a16:creationId xmlns:a16="http://schemas.microsoft.com/office/drawing/2014/main" id="{72095404-AFB5-4F64-85BE-EF01EA9D1828}"/>
+              </a:ext>
+            </a:extLst>
+          </p:cNvPr>
+          <p:cNvSpPr>
+            <a:spLocks noGrp="1"/>
+          </p:cNvSpPr>
+          <p:nvPr>
+            <p:ph idx="1"/>
+          </p:nvPr>
+        </p:nvSpPr>
+        <p:spPr/>
+        <p:txBody>
+          <a:bodyPr/>
+          <a:lstStyle/>
+          <a:p>
+            <a:r>
+              <a:rPr lang="en-GB" dirty="0">
+                <a:highlight>
+                  <a:srgbClr val="00FFFF"/>
+                </a:highlight>
+                <a:latin typeface="Courier New" panose="02070309020205020404" pitchFamily="49" charset="0"/>
+                <a:cs typeface="Courier New" panose="02070309020205020404" pitchFamily="49" charset="0"/>
+              </a:rPr>
+              <a:t>DISTINCT</a:t>
+            </a:r>
+            <a:r>
+              <a:rPr lang="en-GB" dirty="0"/>
+              <a:t> returns the unique instances of a variable over a column</a:t>
+            </a:r>
+          </a:p>
+          <a:p>
+            <a:r>
+              <a:rPr lang="en-GB" dirty="0"/>
+              <a:t>Used in the </a:t>
+            </a:r>
+            <a:r>
+              <a:rPr lang="en-GB" dirty="0">
+                <a:highlight>
+                  <a:srgbClr val="00FFFF"/>
+                </a:highlight>
+                <a:latin typeface="Courier New" panose="02070309020205020404" pitchFamily="49" charset="0"/>
+                <a:cs typeface="Courier New" panose="02070309020205020404" pitchFamily="49" charset="0"/>
+              </a:rPr>
+              <a:t>SELECT</a:t>
+            </a:r>
+            <a:r>
+              <a:rPr lang="en-GB" dirty="0"/>
+              <a:t> statement and returns distinct (unique) rows for all the specified columns</a:t>
+            </a:r>
+          </a:p>
+          <a:p>
+            <a:endParaRPr lang="en-GB" dirty="0"/>
+          </a:p>
+          <a:p>
+            <a:r>
+              <a:rPr lang="en-GB" dirty="0">
+                <a:highlight>
+                  <a:srgbClr val="00FFFF"/>
+                </a:highlight>
+                <a:latin typeface="Courier New" panose="02070309020205020404" pitchFamily="49" charset="0"/>
+                <a:cs typeface="Courier New" panose="02070309020205020404" pitchFamily="49" charset="0"/>
+              </a:rPr>
+              <a:t>SELECT DISTINCT </a:t>
+            </a:r>
+            <a:r>
+              <a:rPr lang="en-GB" dirty="0" err="1">
+                <a:highlight>
+                  <a:srgbClr val="00FFFF"/>
+                </a:highlight>
+                <a:latin typeface="Courier New" panose="02070309020205020404" pitchFamily="49" charset="0"/>
+                <a:cs typeface="Courier New" panose="02070309020205020404" pitchFamily="49" charset="0"/>
+              </a:rPr>
+              <a:t>rental_rate</a:t>
+            </a:r>
+            <a:r>
+              <a:rPr lang="en-GB" dirty="0">
+                <a:highlight>
+                  <a:srgbClr val="00FFFF"/>
+                </a:highlight>
+                <a:latin typeface="Courier New" panose="02070309020205020404" pitchFamily="49" charset="0"/>
+                <a:cs typeface="Courier New" panose="02070309020205020404" pitchFamily="49" charset="0"/>
+              </a:rPr>
+              <a:t>, [rating]</a:t>
+            </a:r>
+            <a:br>
+              <a:rPr lang="en-GB" dirty="0">
+                <a:highlight>
+                  <a:srgbClr val="00FFFF"/>
+                </a:highlight>
+                <a:latin typeface="Courier New" panose="02070309020205020404" pitchFamily="49" charset="0"/>
+                <a:cs typeface="Courier New" panose="02070309020205020404" pitchFamily="49" charset="0"/>
+              </a:rPr>
+            </a:br>
+            <a:r>
+              <a:rPr lang="en-GB" dirty="0">
+                <a:highlight>
+                  <a:srgbClr val="00FFFF"/>
+                </a:highlight>
+                <a:latin typeface="Courier New" panose="02070309020205020404" pitchFamily="49" charset="0"/>
+                <a:cs typeface="Courier New" panose="02070309020205020404" pitchFamily="49" charset="0"/>
+              </a:rPr>
+              <a:t>FROM film</a:t>
+            </a:r>
+          </a:p>
+        </p:txBody>
+      </p:sp>
+    </p:spTree>
+    <p:extLst>
+      <p:ext uri="{BB962C8B-B14F-4D97-AF65-F5344CB8AC3E}">
+        <p14:creationId xmlns:p14="http://schemas.microsoft.com/office/powerpoint/2010/main" val="1422397738"/>
+      </p:ext>
+    </p:extLst>
+  </p:cSld>
+  <p:clrMapOvr>
+    <a:masterClrMapping/>
+  </p:clrMapOvr>
+</p:sld>
+</file>
+
+<file path=ppt/slides/slide11.xml><?xml version="1.0" encoding="utf-8"?>
+<p:sld xmlns:a="http://schemas.openxmlformats.org/drawingml/2006/main" xmlns:r="http://schemas.openxmlformats.org/officeDocument/2006/relationships" xmlns:p="http://schemas.openxmlformats.org/presentationml/2006/main">
+  <p:cSld>
+    <p:spTree>
+      <p:nvGrpSpPr>
+        <p:cNvPr id="1" name=""/>
+        <p:cNvGrpSpPr/>
+        <p:nvPr/>
+      </p:nvGrpSpPr>
+      <p:grpSpPr>
+        <a:xfrm>
+          <a:off x="0" y="0"/>
+          <a:ext cx="0" cy="0"/>
+          <a:chOff x="0" y="0"/>
+          <a:chExt cx="0" cy="0"/>
+        </a:xfrm>
+      </p:grpSpPr>
+      <p:sp>
+        <p:nvSpPr>
+          <p:cNvPr id="2" name="Title 1">
+            <a:extLst>
+              <a:ext uri="{FF2B5EF4-FFF2-40B4-BE49-F238E27FC236}">
+                <a16:creationId xmlns:a16="http://schemas.microsoft.com/office/drawing/2014/main" id="{2E776051-F7C5-4F97-B652-DE7B5D486AA7}"/>
+              </a:ext>
+            </a:extLst>
+          </p:cNvPr>
+          <p:cNvSpPr>
+            <a:spLocks noGrp="1"/>
+          </p:cNvSpPr>
+          <p:nvPr>
+            <p:ph type="title"/>
+          </p:nvPr>
+        </p:nvSpPr>
+        <p:spPr/>
+        <p:txBody>
+          <a:bodyPr/>
+          <a:lstStyle/>
+          <a:p>
+            <a:r>
+              <a:rPr lang="en-GB" dirty="0"/>
+              <a:t>HAVING</a:t>
+            </a:r>
+          </a:p>
+        </p:txBody>
+      </p:sp>
+      <p:sp>
+        <p:nvSpPr>
+          <p:cNvPr id="3" name="Content Placeholder 2">
+            <a:extLst>
+              <a:ext uri="{FF2B5EF4-FFF2-40B4-BE49-F238E27FC236}">
+                <a16:creationId xmlns:a16="http://schemas.microsoft.com/office/drawing/2014/main" id="{454D71F6-89DA-4E60-A55A-89AFA9EA6CE5}"/>
+              </a:ext>
+            </a:extLst>
+          </p:cNvPr>
+          <p:cNvSpPr>
+            <a:spLocks noGrp="1"/>
+          </p:cNvSpPr>
+          <p:nvPr>
+            <p:ph idx="1"/>
+          </p:nvPr>
+        </p:nvSpPr>
+        <p:spPr/>
+        <p:txBody>
+          <a:bodyPr>
+            <a:normAutofit/>
+          </a:bodyPr>
+          <a:lstStyle/>
+          <a:p>
+            <a:r>
+              <a:rPr lang="en-GB" dirty="0"/>
+              <a:t>Think of </a:t>
+            </a:r>
+            <a:r>
+              <a:rPr lang="en-GB" dirty="0">
+                <a:highlight>
+                  <a:srgbClr val="00FFFF"/>
+                </a:highlight>
+                <a:latin typeface="Courier New" panose="02070309020205020404" pitchFamily="49" charset="0"/>
+                <a:cs typeface="Courier New" panose="02070309020205020404" pitchFamily="49" charset="0"/>
+              </a:rPr>
+              <a:t>HAVING</a:t>
+            </a:r>
+            <a:r>
+              <a:rPr lang="en-GB" dirty="0"/>
+              <a:t> as a </a:t>
+            </a:r>
+            <a:r>
+              <a:rPr lang="en-GB" dirty="0">
+                <a:highlight>
+                  <a:srgbClr val="00FFFF"/>
+                </a:highlight>
+                <a:latin typeface="Courier New" panose="02070309020205020404" pitchFamily="49" charset="0"/>
+                <a:cs typeface="Courier New" panose="02070309020205020404" pitchFamily="49" charset="0"/>
+              </a:rPr>
+              <a:t>WHERE</a:t>
+            </a:r>
+            <a:r>
+              <a:rPr lang="en-GB" dirty="0"/>
+              <a:t> clause, but for aggregate statements</a:t>
+            </a:r>
+          </a:p>
+          <a:p>
+            <a:pPr lvl="1"/>
+            <a:r>
+              <a:rPr lang="en-GB" dirty="0"/>
+              <a:t>Whenever you want to use a WHERE on an aggregate statement… you need to use HAVING</a:t>
+            </a:r>
+          </a:p>
+          <a:p>
+            <a:r>
+              <a:rPr lang="en-GB" dirty="0"/>
+              <a:t>Placed after </a:t>
+            </a:r>
+            <a:r>
+              <a:rPr lang="en-GB" dirty="0">
+                <a:highlight>
+                  <a:srgbClr val="00FFFF"/>
+                </a:highlight>
+                <a:latin typeface="Courier New" panose="02070309020205020404" pitchFamily="49" charset="0"/>
+                <a:cs typeface="Courier New" panose="02070309020205020404" pitchFamily="49" charset="0"/>
+              </a:rPr>
+              <a:t>GROUP BY</a:t>
+            </a:r>
+            <a:r>
+              <a:rPr lang="en-GB" dirty="0"/>
+              <a:t> but before </a:t>
+            </a:r>
+            <a:r>
+              <a:rPr lang="en-GB" dirty="0">
+                <a:highlight>
+                  <a:srgbClr val="00FFFF"/>
+                </a:highlight>
+                <a:latin typeface="Courier New" panose="02070309020205020404" pitchFamily="49" charset="0"/>
+                <a:cs typeface="Courier New" panose="02070309020205020404" pitchFamily="49" charset="0"/>
+              </a:rPr>
+              <a:t>ORDER BY</a:t>
+            </a:r>
+          </a:p>
+          <a:p>
+            <a:endParaRPr lang="en-GB" dirty="0">
+              <a:latin typeface="Courier New" panose="02070309020205020404" pitchFamily="49" charset="0"/>
+              <a:cs typeface="Courier New" panose="02070309020205020404" pitchFamily="49" charset="0"/>
+            </a:endParaRPr>
+          </a:p>
+          <a:p>
+            <a:r>
+              <a:rPr lang="en-GB" dirty="0">
+                <a:highlight>
+                  <a:srgbClr val="00FFFF"/>
+                </a:highlight>
+                <a:latin typeface="Courier New" panose="02070309020205020404" pitchFamily="49" charset="0"/>
+                <a:cs typeface="Courier New" panose="02070309020205020404" pitchFamily="49" charset="0"/>
+              </a:rPr>
+              <a:t>SELECT rating, SUM(length)</a:t>
+            </a:r>
+            <a:br>
+              <a:rPr lang="en-GB" dirty="0">
+                <a:highlight>
+                  <a:srgbClr val="00FFFF"/>
+                </a:highlight>
+                <a:latin typeface="Courier New" panose="02070309020205020404" pitchFamily="49" charset="0"/>
+                <a:cs typeface="Courier New" panose="02070309020205020404" pitchFamily="49" charset="0"/>
+              </a:rPr>
+            </a:br>
+            <a:r>
+              <a:rPr lang="en-GB" dirty="0">
+                <a:highlight>
+                  <a:srgbClr val="00FFFF"/>
+                </a:highlight>
+                <a:latin typeface="Courier New" panose="02070309020205020404" pitchFamily="49" charset="0"/>
+                <a:cs typeface="Courier New" panose="02070309020205020404" pitchFamily="49" charset="0"/>
+              </a:rPr>
+              <a:t>FROM film</a:t>
+            </a:r>
+            <a:br>
+              <a:rPr lang="en-GB" dirty="0">
+                <a:highlight>
+                  <a:srgbClr val="00FFFF"/>
+                </a:highlight>
+                <a:latin typeface="Courier New" panose="02070309020205020404" pitchFamily="49" charset="0"/>
+                <a:cs typeface="Courier New" panose="02070309020205020404" pitchFamily="49" charset="0"/>
+              </a:rPr>
+            </a:br>
+            <a:r>
+              <a:rPr lang="en-GB" dirty="0">
+                <a:highlight>
+                  <a:srgbClr val="00FFFF"/>
+                </a:highlight>
+                <a:latin typeface="Courier New" panose="02070309020205020404" pitchFamily="49" charset="0"/>
+                <a:cs typeface="Courier New" panose="02070309020205020404" pitchFamily="49" charset="0"/>
+              </a:rPr>
+              <a:t>GROUP BY rating</a:t>
+            </a:r>
+            <a:br>
+              <a:rPr lang="en-GB" dirty="0">
+                <a:highlight>
+                  <a:srgbClr val="00FFFF"/>
+                </a:highlight>
+                <a:latin typeface="Courier New" panose="02070309020205020404" pitchFamily="49" charset="0"/>
+                <a:cs typeface="Courier New" panose="02070309020205020404" pitchFamily="49" charset="0"/>
+              </a:rPr>
+            </a:br>
+            <a:r>
+              <a:rPr lang="en-GB" dirty="0">
+                <a:highlight>
+                  <a:srgbClr val="00FFFF"/>
+                </a:highlight>
+                <a:latin typeface="Courier New" panose="02070309020205020404" pitchFamily="49" charset="0"/>
+                <a:cs typeface="Courier New" panose="02070309020205020404" pitchFamily="49" charset="0"/>
+              </a:rPr>
+              <a:t>HAVING sum(length) &gt; 23000</a:t>
+            </a:r>
+          </a:p>
+        </p:txBody>
+      </p:sp>
+    </p:spTree>
+    <p:extLst>
+      <p:ext uri="{BB962C8B-B14F-4D97-AF65-F5344CB8AC3E}">
+        <p14:creationId xmlns:p14="http://schemas.microsoft.com/office/powerpoint/2010/main" val="1888784471"/>
+      </p:ext>
+    </p:extLst>
+  </p:cSld>
+  <p:clrMapOvr>
+    <a:masterClrMapping/>
+  </p:clrMapOvr>
+</p:sld>
+</file>
+
+<file path=ppt/slides/slide12.xml><?xml version="1.0" encoding="utf-8"?>
+<p:sld xmlns:a="http://schemas.openxmlformats.org/drawingml/2006/main" xmlns:r="http://schemas.openxmlformats.org/officeDocument/2006/relationships" xmlns:p="http://schemas.openxmlformats.org/presentationml/2006/main">
+  <p:cSld>
+    <p:spTree>
+      <p:nvGrpSpPr>
+        <p:cNvPr id="1" name=""/>
+        <p:cNvGrpSpPr/>
+        <p:nvPr/>
+      </p:nvGrpSpPr>
+      <p:grpSpPr>
+        <a:xfrm>
+          <a:off x="0" y="0"/>
+          <a:ext cx="0" cy="0"/>
+          <a:chOff x="0" y="0"/>
+          <a:chExt cx="0" cy="0"/>
+        </a:xfrm>
+      </p:grpSpPr>
+      <p:sp>
+        <p:nvSpPr>
+          <p:cNvPr id="2" name="Title 1">
+            <a:extLst>
+              <a:ext uri="{FF2B5EF4-FFF2-40B4-BE49-F238E27FC236}">
+                <a16:creationId xmlns:a16="http://schemas.microsoft.com/office/drawing/2014/main" id="{2A9BCC9A-5114-4DA9-BFC4-D5091E8A7A37}"/>
+              </a:ext>
+            </a:extLst>
+          </p:cNvPr>
+          <p:cNvSpPr>
+            <a:spLocks noGrp="1"/>
+          </p:cNvSpPr>
+          <p:nvPr>
+            <p:ph type="title"/>
+          </p:nvPr>
+        </p:nvSpPr>
+        <p:spPr/>
+        <p:txBody>
+          <a:bodyPr/>
+          <a:lstStyle/>
+          <a:p>
+            <a:r>
+              <a:rPr lang="en-GB" dirty="0"/>
+              <a:t>DATE_TRUNC (1)</a:t>
+            </a:r>
+          </a:p>
+        </p:txBody>
+      </p:sp>
+      <p:sp>
+        <p:nvSpPr>
+          <p:cNvPr id="3" name="Content Placeholder 2">
+            <a:extLst>
+              <a:ext uri="{FF2B5EF4-FFF2-40B4-BE49-F238E27FC236}">
+                <a16:creationId xmlns:a16="http://schemas.microsoft.com/office/drawing/2014/main" id="{D1C1BB70-3ED7-4436-B0D8-73D06B5BA036}"/>
+              </a:ext>
+            </a:extLst>
+          </p:cNvPr>
+          <p:cNvSpPr>
+            <a:spLocks noGrp="1"/>
+          </p:cNvSpPr>
+          <p:nvPr>
+            <p:ph idx="1"/>
+          </p:nvPr>
+        </p:nvSpPr>
+        <p:spPr/>
+        <p:txBody>
+          <a:bodyPr/>
+          <a:lstStyle/>
+          <a:p>
+            <a:r>
+              <a:rPr lang="en-GB" dirty="0"/>
+              <a:t>We’ve seen that dates are stored as “</a:t>
+            </a:r>
+            <a:r>
+              <a:rPr lang="en-GB" dirty="0">
+                <a:highlight>
+                  <a:srgbClr val="00FFFF"/>
+                </a:highlight>
+                <a:latin typeface="Courier New" panose="02070309020205020404" pitchFamily="49" charset="0"/>
+                <a:cs typeface="Courier New" panose="02070309020205020404" pitchFamily="49" charset="0"/>
+              </a:rPr>
+              <a:t>YYYY-MM-DD HH:MM:SS</a:t>
+            </a:r>
+            <a:r>
+              <a:rPr lang="en-GB" dirty="0"/>
+              <a:t>” in databases.</a:t>
+            </a:r>
+          </a:p>
+          <a:p>
+            <a:r>
+              <a:rPr lang="en-GB" dirty="0"/>
+              <a:t>Often we don’t want to group on second level data – probably more common to want day or month level data</a:t>
+            </a:r>
+          </a:p>
+          <a:p>
+            <a:r>
+              <a:rPr lang="en-GB" dirty="0"/>
+              <a:t>For example, what if we want total sales per day?</a:t>
+            </a:r>
+          </a:p>
+          <a:p>
+            <a:endParaRPr lang="en-GB" dirty="0">
+              <a:highlight>
+                <a:srgbClr val="00FFFF"/>
+              </a:highlight>
+            </a:endParaRPr>
+          </a:p>
+          <a:p>
+            <a:r>
+              <a:rPr lang="en-GB" dirty="0">
+                <a:highlight>
+                  <a:srgbClr val="00FFFF"/>
+                </a:highlight>
+                <a:latin typeface="Courier New" panose="02070309020205020404" pitchFamily="49" charset="0"/>
+                <a:cs typeface="Courier New" panose="02070309020205020404" pitchFamily="49" charset="0"/>
+              </a:rPr>
+              <a:t>SELECT </a:t>
+            </a:r>
+            <a:r>
+              <a:rPr lang="en-GB" dirty="0" err="1">
+                <a:highlight>
+                  <a:srgbClr val="00FFFF"/>
+                </a:highlight>
+                <a:latin typeface="Courier New" panose="02070309020205020404" pitchFamily="49" charset="0"/>
+                <a:cs typeface="Courier New" panose="02070309020205020404" pitchFamily="49" charset="0"/>
+              </a:rPr>
+              <a:t>payment_date</a:t>
+            </a:r>
+            <a:r>
+              <a:rPr lang="en-GB" dirty="0">
+                <a:highlight>
+                  <a:srgbClr val="00FFFF"/>
+                </a:highlight>
+                <a:latin typeface="Courier New" panose="02070309020205020404" pitchFamily="49" charset="0"/>
+                <a:cs typeface="Courier New" panose="02070309020205020404" pitchFamily="49" charset="0"/>
+              </a:rPr>
+              <a:t>, SUM(amount)</a:t>
+            </a:r>
+            <a:br>
+              <a:rPr lang="en-GB" dirty="0">
+                <a:highlight>
+                  <a:srgbClr val="00FFFF"/>
+                </a:highlight>
+                <a:latin typeface="Courier New" panose="02070309020205020404" pitchFamily="49" charset="0"/>
+                <a:cs typeface="Courier New" panose="02070309020205020404" pitchFamily="49" charset="0"/>
+              </a:rPr>
+            </a:br>
+            <a:r>
+              <a:rPr lang="en-GB" dirty="0">
+                <a:highlight>
+                  <a:srgbClr val="00FFFF"/>
+                </a:highlight>
+                <a:latin typeface="Courier New" panose="02070309020205020404" pitchFamily="49" charset="0"/>
+                <a:cs typeface="Courier New" panose="02070309020205020404" pitchFamily="49" charset="0"/>
+              </a:rPr>
+              <a:t>FROM payment</a:t>
+            </a:r>
+            <a:br>
+              <a:rPr lang="en-GB" dirty="0">
+                <a:highlight>
+                  <a:srgbClr val="00FFFF"/>
+                </a:highlight>
+                <a:latin typeface="Courier New" panose="02070309020205020404" pitchFamily="49" charset="0"/>
+                <a:cs typeface="Courier New" panose="02070309020205020404" pitchFamily="49" charset="0"/>
+              </a:rPr>
+            </a:br>
+            <a:r>
+              <a:rPr lang="en-GB" dirty="0">
+                <a:highlight>
+                  <a:srgbClr val="00FFFF"/>
+                </a:highlight>
+                <a:latin typeface="Courier New" panose="02070309020205020404" pitchFamily="49" charset="0"/>
+                <a:cs typeface="Courier New" panose="02070309020205020404" pitchFamily="49" charset="0"/>
+              </a:rPr>
+              <a:t>GROUP BY </a:t>
+            </a:r>
+            <a:r>
+              <a:rPr lang="en-GB" dirty="0" err="1">
+                <a:highlight>
+                  <a:srgbClr val="00FFFF"/>
+                </a:highlight>
+                <a:latin typeface="Courier New" panose="02070309020205020404" pitchFamily="49" charset="0"/>
+                <a:cs typeface="Courier New" panose="02070309020205020404" pitchFamily="49" charset="0"/>
+              </a:rPr>
+              <a:t>payment_date</a:t>
+            </a:r>
+            <a:endParaRPr lang="en-GB" dirty="0">
+              <a:highlight>
+                <a:srgbClr val="00FFFF"/>
+              </a:highlight>
+              <a:latin typeface="Courier New" panose="02070309020205020404" pitchFamily="49" charset="0"/>
+              <a:cs typeface="Courier New" panose="02070309020205020404" pitchFamily="49" charset="0"/>
+            </a:endParaRPr>
+          </a:p>
+        </p:txBody>
+      </p:sp>
+    </p:spTree>
+    <p:extLst>
+      <p:ext uri="{BB962C8B-B14F-4D97-AF65-F5344CB8AC3E}">
+        <p14:creationId xmlns:p14="http://schemas.microsoft.com/office/powerpoint/2010/main" val="316003731"/>
+      </p:ext>
+    </p:extLst>
+  </p:cSld>
+  <p:clrMapOvr>
+    <a:masterClrMapping/>
+  </p:clrMapOvr>
+</p:sld>
+</file>
+
+<file path=ppt/slides/slide13.xml><?xml version="1.0" encoding="utf-8"?>
+<p:sld xmlns:a="http://schemas.openxmlformats.org/drawingml/2006/main" xmlns:r="http://schemas.openxmlformats.org/officeDocument/2006/relationships" xmlns:p="http://schemas.openxmlformats.org/presentationml/2006/main">
+  <p:cSld>
+    <p:spTree>
+      <p:nvGrpSpPr>
+        <p:cNvPr id="1" name=""/>
+        <p:cNvGrpSpPr/>
+        <p:nvPr/>
+      </p:nvGrpSpPr>
+      <p:grpSpPr>
+        <a:xfrm>
+          <a:off x="0" y="0"/>
+          <a:ext cx="0" cy="0"/>
+          <a:chOff x="0" y="0"/>
+          <a:chExt cx="0" cy="0"/>
+        </a:xfrm>
+      </p:grpSpPr>
+      <p:sp>
+        <p:nvSpPr>
+          <p:cNvPr id="2" name="Title 1">
+            <a:extLst>
+              <a:ext uri="{FF2B5EF4-FFF2-40B4-BE49-F238E27FC236}">
+                <a16:creationId xmlns:a16="http://schemas.microsoft.com/office/drawing/2014/main" id="{B1266771-0FC0-4303-B083-EB6678639BB0}"/>
+              </a:ext>
+            </a:extLst>
+          </p:cNvPr>
+          <p:cNvSpPr>
+            <a:spLocks noGrp="1"/>
+          </p:cNvSpPr>
+          <p:nvPr>
+            <p:ph type="title"/>
+          </p:nvPr>
+        </p:nvSpPr>
+        <p:spPr/>
+        <p:txBody>
+          <a:bodyPr/>
+          <a:lstStyle/>
+          <a:p>
+            <a:r>
+              <a:rPr lang="en-GB" dirty="0"/>
+              <a:t>DATE_TRUNC (2)</a:t>
+            </a:r>
+          </a:p>
+        </p:txBody>
+      </p:sp>
+      <p:sp>
+        <p:nvSpPr>
+          <p:cNvPr id="3" name="Content Placeholder 2">
+            <a:extLst>
+              <a:ext uri="{FF2B5EF4-FFF2-40B4-BE49-F238E27FC236}">
+                <a16:creationId xmlns:a16="http://schemas.microsoft.com/office/drawing/2014/main" id="{3A5A10C6-345B-4996-ACDE-3B3A33D6CCCE}"/>
+              </a:ext>
+            </a:extLst>
+          </p:cNvPr>
+          <p:cNvSpPr>
+            <a:spLocks noGrp="1"/>
+          </p:cNvSpPr>
+          <p:nvPr>
+            <p:ph idx="1"/>
+          </p:nvPr>
+        </p:nvSpPr>
+        <p:spPr/>
+        <p:txBody>
+          <a:bodyPr>
+            <a:normAutofit fontScale="92500" lnSpcReduction="10000"/>
+          </a:bodyPr>
+          <a:lstStyle/>
+          <a:p>
+            <a:r>
+              <a:rPr lang="en-GB" dirty="0"/>
+              <a:t>So to group by day (or any other date ‘denomination’), we need to adjust all the smaller denominations to it’s ‘first’ value</a:t>
+            </a:r>
+          </a:p>
+          <a:p>
+            <a:pPr lvl="1"/>
+            <a:r>
+              <a:rPr lang="en-GB" dirty="0"/>
+              <a:t>E.g. For grouping by day, we need to modify all times to be 00:00:00</a:t>
+            </a:r>
+          </a:p>
+          <a:p>
+            <a:pPr lvl="1"/>
+            <a:r>
+              <a:rPr lang="en-GB" dirty="0"/>
+              <a:t>For grouping by month, we need to modify all days to be the 1</a:t>
+            </a:r>
+            <a:r>
+              <a:rPr lang="en-GB" baseline="30000" dirty="0"/>
+              <a:t>st</a:t>
+            </a:r>
+            <a:r>
+              <a:rPr lang="en-GB" dirty="0"/>
+              <a:t> of the month (and all times to be 00:00:00)</a:t>
+            </a:r>
+          </a:p>
+          <a:p>
+            <a:r>
+              <a:rPr lang="en-GB" dirty="0">
+                <a:highlight>
+                  <a:srgbClr val="00FFFF"/>
+                </a:highlight>
+                <a:latin typeface="Courier New" panose="02070309020205020404" pitchFamily="49" charset="0"/>
+                <a:cs typeface="Courier New" panose="02070309020205020404" pitchFamily="49" charset="0"/>
+              </a:rPr>
+              <a:t>DATE_TRUNC</a:t>
+            </a:r>
+            <a:r>
+              <a:rPr lang="en-GB" dirty="0"/>
+              <a:t> allows us to truncate part of our data to a desired denomination</a:t>
+            </a:r>
+          </a:p>
+          <a:p>
+            <a:r>
+              <a:rPr lang="en-GB" dirty="0">
+                <a:highlight>
+                  <a:srgbClr val="00FFFF"/>
+                </a:highlight>
+                <a:latin typeface="Courier New" panose="02070309020205020404" pitchFamily="49" charset="0"/>
+                <a:cs typeface="Courier New" panose="02070309020205020404" pitchFamily="49" charset="0"/>
+              </a:rPr>
+              <a:t>SELECT DATE_TRUNC('day', </a:t>
+            </a:r>
+            <a:r>
+              <a:rPr lang="en-GB" dirty="0" err="1">
+                <a:highlight>
+                  <a:srgbClr val="00FFFF"/>
+                </a:highlight>
+                <a:latin typeface="Courier New" panose="02070309020205020404" pitchFamily="49" charset="0"/>
+                <a:cs typeface="Courier New" panose="02070309020205020404" pitchFamily="49" charset="0"/>
+              </a:rPr>
+              <a:t>payment_date</a:t>
+            </a:r>
+            <a:r>
+              <a:rPr lang="en-GB" dirty="0">
+                <a:highlight>
+                  <a:srgbClr val="00FFFF"/>
+                </a:highlight>
+                <a:latin typeface="Courier New" panose="02070309020205020404" pitchFamily="49" charset="0"/>
+                <a:cs typeface="Courier New" panose="02070309020205020404" pitchFamily="49" charset="0"/>
+              </a:rPr>
+              <a:t>) as day, SUM(amount)</a:t>
+            </a:r>
+            <a:br>
+              <a:rPr lang="en-GB" dirty="0">
+                <a:highlight>
+                  <a:srgbClr val="00FFFF"/>
+                </a:highlight>
+                <a:latin typeface="Courier New" panose="02070309020205020404" pitchFamily="49" charset="0"/>
+                <a:cs typeface="Courier New" panose="02070309020205020404" pitchFamily="49" charset="0"/>
+              </a:rPr>
+            </a:br>
+            <a:r>
+              <a:rPr lang="en-GB" dirty="0">
+                <a:highlight>
+                  <a:srgbClr val="00FFFF"/>
+                </a:highlight>
+                <a:latin typeface="Courier New" panose="02070309020205020404" pitchFamily="49" charset="0"/>
+                <a:cs typeface="Courier New" panose="02070309020205020404" pitchFamily="49" charset="0"/>
+              </a:rPr>
+              <a:t>FROM payment</a:t>
+            </a:r>
+            <a:br>
+              <a:rPr lang="en-GB" dirty="0">
+                <a:highlight>
+                  <a:srgbClr val="00FFFF"/>
+                </a:highlight>
+                <a:latin typeface="Courier New" panose="02070309020205020404" pitchFamily="49" charset="0"/>
+                <a:cs typeface="Courier New" panose="02070309020205020404" pitchFamily="49" charset="0"/>
+              </a:rPr>
+            </a:br>
+            <a:r>
+              <a:rPr lang="en-GB" dirty="0">
+                <a:highlight>
+                  <a:srgbClr val="00FFFF"/>
+                </a:highlight>
+                <a:latin typeface="Courier New" panose="02070309020205020404" pitchFamily="49" charset="0"/>
+                <a:cs typeface="Courier New" panose="02070309020205020404" pitchFamily="49" charset="0"/>
+              </a:rPr>
+              <a:t>GROUP BY 1</a:t>
+            </a:r>
+            <a:br>
+              <a:rPr lang="en-GB" dirty="0">
+                <a:highlight>
+                  <a:srgbClr val="00FFFF"/>
+                </a:highlight>
+                <a:latin typeface="Courier New" panose="02070309020205020404" pitchFamily="49" charset="0"/>
+                <a:cs typeface="Courier New" panose="02070309020205020404" pitchFamily="49" charset="0"/>
+              </a:rPr>
+            </a:br>
+            <a:r>
+              <a:rPr lang="en-GB" dirty="0">
+                <a:highlight>
+                  <a:srgbClr val="00FFFF"/>
+                </a:highlight>
+                <a:latin typeface="Courier New" panose="02070309020205020404" pitchFamily="49" charset="0"/>
+                <a:cs typeface="Courier New" panose="02070309020205020404" pitchFamily="49" charset="0"/>
+              </a:rPr>
+              <a:t>ORDER BY 1</a:t>
+            </a:r>
+          </a:p>
+        </p:txBody>
+      </p:sp>
+      <p:cxnSp>
+        <p:nvCxnSpPr>
+          <p:cNvPr id="5" name="Straight Arrow Connector 4">
+            <a:extLst>
+              <a:ext uri="{FF2B5EF4-FFF2-40B4-BE49-F238E27FC236}">
+                <a16:creationId xmlns:a16="http://schemas.microsoft.com/office/drawing/2014/main" id="{87F74E7D-087A-4EE1-8D17-5955FB5BCBEF}"/>
+              </a:ext>
+            </a:extLst>
+          </p:cNvPr>
+          <p:cNvCxnSpPr/>
+          <p:nvPr/>
+        </p:nvCxnSpPr>
+        <p:spPr>
+          <a:xfrm flipV="1">
+            <a:off x="3427486" y="5371343"/>
+            <a:ext cx="1980191" cy="78723"/>
+          </a:xfrm>
+          <a:prstGeom prst="straightConnector1">
+            <a:avLst/>
+          </a:prstGeom>
+          <a:ln>
+            <a:tailEnd type="triangle"/>
+          </a:ln>
+        </p:spPr>
+        <p:style>
+          <a:lnRef idx="1">
+            <a:schemeClr val="dk1"/>
+          </a:lnRef>
+          <a:fillRef idx="0">
+            <a:schemeClr val="dk1"/>
+          </a:fillRef>
+          <a:effectRef idx="0">
+            <a:schemeClr val="dk1"/>
+          </a:effectRef>
+          <a:fontRef idx="minor">
+            <a:schemeClr val="tx1"/>
+          </a:fontRef>
+        </p:style>
+      </p:cxnSp>
+      <p:sp>
+        <p:nvSpPr>
+          <p:cNvPr id="6" name="TextBox 5">
+            <a:extLst>
+              <a:ext uri="{FF2B5EF4-FFF2-40B4-BE49-F238E27FC236}">
+                <a16:creationId xmlns:a16="http://schemas.microsoft.com/office/drawing/2014/main" id="{F5128123-586A-4EE7-AB80-CF4927643F7F}"/>
+              </a:ext>
+            </a:extLst>
+          </p:cNvPr>
+          <p:cNvSpPr txBox="1"/>
+          <p:nvPr/>
+        </p:nvSpPr>
+        <p:spPr>
+          <a:xfrm>
+            <a:off x="5522734" y="4995894"/>
+            <a:ext cx="4886892" cy="923330"/>
+          </a:xfrm>
+          <a:prstGeom prst="rect">
+            <a:avLst/>
+          </a:prstGeom>
+          <a:noFill/>
+        </p:spPr>
+        <p:txBody>
+          <a:bodyPr wrap="square" rtlCol="0">
+            <a:spAutoFit/>
+          </a:bodyPr>
+          <a:lstStyle/>
+          <a:p>
+            <a:r>
+              <a:rPr lang="en-GB" dirty="0"/>
+              <a:t>GROUP BY/ORDER BY allow us to use 1-indexed numbers which refer to statements in SELECT. E.g. here, “1” refers to the DATE_TRUNC statement</a:t>
+            </a:r>
+          </a:p>
+        </p:txBody>
+      </p:sp>
+    </p:spTree>
+    <p:extLst>
+      <p:ext uri="{BB962C8B-B14F-4D97-AF65-F5344CB8AC3E}">
+        <p14:creationId xmlns:p14="http://schemas.microsoft.com/office/powerpoint/2010/main" val="1452573972"/>
+      </p:ext>
+    </p:extLst>
+  </p:cSld>
+  <p:clrMapOvr>
+    <a:masterClrMapping/>
+  </p:clrMapOvr>
+</p:sld>
+</file>
+
+<file path=ppt/slides/slide14.xml><?xml version="1.0" encoding="utf-8"?>
+<p:sld xmlns:a="http://schemas.openxmlformats.org/drawingml/2006/main" xmlns:r="http://schemas.openxmlformats.org/officeDocument/2006/relationships" xmlns:p="http://schemas.openxmlformats.org/presentationml/2006/main">
+  <p:cSld>
+    <p:spTree>
+      <p:nvGrpSpPr>
+        <p:cNvPr id="1" name=""/>
+        <p:cNvGrpSpPr/>
+        <p:nvPr/>
+      </p:nvGrpSpPr>
+      <p:grpSpPr>
+        <a:xfrm>
+          <a:off x="0" y="0"/>
+          <a:ext cx="0" cy="0"/>
+          <a:chOff x="0" y="0"/>
+          <a:chExt cx="0" cy="0"/>
+        </a:xfrm>
+      </p:grpSpPr>
+      <p:sp>
+        <p:nvSpPr>
+          <p:cNvPr id="2" name="Title 1">
+            <a:extLst>
+              <a:ext uri="{FF2B5EF4-FFF2-40B4-BE49-F238E27FC236}">
+                <a16:creationId xmlns:a16="http://schemas.microsoft.com/office/drawing/2014/main" id="{ABB21F0C-6D60-42C6-AF14-AD972C460517}"/>
+              </a:ext>
+            </a:extLst>
+          </p:cNvPr>
+          <p:cNvSpPr>
+            <a:spLocks noGrp="1"/>
+          </p:cNvSpPr>
+          <p:nvPr>
+            <p:ph type="title"/>
+          </p:nvPr>
+        </p:nvSpPr>
+        <p:spPr/>
+        <p:txBody>
+          <a:bodyPr/>
+          <a:lstStyle/>
+          <a:p>
+            <a:r>
+              <a:rPr lang="en-GB" dirty="0"/>
+              <a:t>DATE_PART</a:t>
+            </a:r>
+          </a:p>
+        </p:txBody>
+      </p:sp>
+      <p:sp>
+        <p:nvSpPr>
+          <p:cNvPr id="3" name="Content Placeholder 2">
+            <a:extLst>
+              <a:ext uri="{FF2B5EF4-FFF2-40B4-BE49-F238E27FC236}">
+                <a16:creationId xmlns:a16="http://schemas.microsoft.com/office/drawing/2014/main" id="{618ED510-E355-4F32-8E17-5A017BC137C8}"/>
+              </a:ext>
+            </a:extLst>
+          </p:cNvPr>
+          <p:cNvSpPr>
+            <a:spLocks noGrp="1"/>
+          </p:cNvSpPr>
+          <p:nvPr>
+            <p:ph idx="1"/>
+          </p:nvPr>
+        </p:nvSpPr>
+        <p:spPr/>
+        <p:txBody>
+          <a:bodyPr>
+            <a:normAutofit fontScale="92500" lnSpcReduction="10000"/>
+          </a:bodyPr>
+          <a:lstStyle/>
+          <a:p>
+            <a:r>
+              <a:rPr lang="en-GB" dirty="0">
+                <a:highlight>
+                  <a:srgbClr val="00FFFF"/>
+                </a:highlight>
+                <a:latin typeface="Courier New" panose="02070309020205020404" pitchFamily="49" charset="0"/>
+                <a:cs typeface="Courier New" panose="02070309020205020404" pitchFamily="49" charset="0"/>
+              </a:rPr>
+              <a:t>DATE_PART</a:t>
+            </a:r>
+            <a:r>
+              <a:rPr lang="en-GB" dirty="0"/>
+              <a:t> can be used to pull a specific component from a date</a:t>
+            </a:r>
+          </a:p>
+          <a:p>
+            <a:pPr lvl="1"/>
+            <a:r>
+              <a:rPr lang="en-GB" dirty="0"/>
+              <a:t>E.g. (2001-01-01, 2001-03-02, 2003-02-04, 2005-10-01) would pull 01, 02, and 04.</a:t>
+            </a:r>
+          </a:p>
+          <a:p>
+            <a:pPr lvl="1"/>
+            <a:r>
+              <a:rPr lang="en-GB" dirty="0"/>
+              <a:t>Notice that the components returned are agnostic of the other date components. It only cares about the value of the specific component.</a:t>
+            </a:r>
+          </a:p>
+          <a:p>
+            <a:pPr lvl="1"/>
+            <a:endParaRPr lang="en-GB" dirty="0"/>
+          </a:p>
+          <a:p>
+            <a:r>
+              <a:rPr lang="en-GB" dirty="0">
+                <a:highlight>
+                  <a:srgbClr val="00FFFF"/>
+                </a:highlight>
+                <a:latin typeface="Courier New" panose="02070309020205020404" pitchFamily="49" charset="0"/>
+                <a:cs typeface="Courier New" panose="02070309020205020404" pitchFamily="49" charset="0"/>
+              </a:rPr>
+              <a:t>SELECT DATE_PART('</a:t>
+            </a:r>
+            <a:r>
+              <a:rPr lang="en-GB" dirty="0" err="1">
+                <a:highlight>
+                  <a:srgbClr val="00FFFF"/>
+                </a:highlight>
+                <a:latin typeface="Courier New" panose="02070309020205020404" pitchFamily="49" charset="0"/>
+                <a:cs typeface="Courier New" panose="02070309020205020404" pitchFamily="49" charset="0"/>
+              </a:rPr>
+              <a:t>dow</a:t>
+            </a:r>
+            <a:r>
+              <a:rPr lang="en-GB" dirty="0">
+                <a:highlight>
+                  <a:srgbClr val="00FFFF"/>
+                </a:highlight>
+                <a:latin typeface="Courier New" panose="02070309020205020404" pitchFamily="49" charset="0"/>
+                <a:cs typeface="Courier New" panose="02070309020205020404" pitchFamily="49" charset="0"/>
+              </a:rPr>
+              <a:t>', </a:t>
+            </a:r>
+            <a:r>
+              <a:rPr lang="en-GB" dirty="0" err="1">
+                <a:highlight>
+                  <a:srgbClr val="00FFFF"/>
+                </a:highlight>
+                <a:latin typeface="Courier New" panose="02070309020205020404" pitchFamily="49" charset="0"/>
+                <a:cs typeface="Courier New" panose="02070309020205020404" pitchFamily="49" charset="0"/>
+              </a:rPr>
+              <a:t>return_date</a:t>
+            </a:r>
+            <a:r>
+              <a:rPr lang="en-GB" dirty="0">
+                <a:highlight>
+                  <a:srgbClr val="00FFFF"/>
+                </a:highlight>
+                <a:latin typeface="Courier New" panose="02070309020205020404" pitchFamily="49" charset="0"/>
+                <a:cs typeface="Courier New" panose="02070309020205020404" pitchFamily="49" charset="0"/>
+              </a:rPr>
+              <a:t>), COUNT(*)</a:t>
+            </a:r>
+            <a:br>
+              <a:rPr lang="en-GB" dirty="0">
+                <a:highlight>
+                  <a:srgbClr val="00FFFF"/>
+                </a:highlight>
+                <a:latin typeface="Courier New" panose="02070309020205020404" pitchFamily="49" charset="0"/>
+                <a:cs typeface="Courier New" panose="02070309020205020404" pitchFamily="49" charset="0"/>
+              </a:rPr>
+            </a:br>
+            <a:r>
+              <a:rPr lang="en-GB" dirty="0">
+                <a:highlight>
+                  <a:srgbClr val="00FFFF"/>
+                </a:highlight>
+                <a:latin typeface="Courier New" panose="02070309020205020404" pitchFamily="49" charset="0"/>
+                <a:cs typeface="Courier New" panose="02070309020205020404" pitchFamily="49" charset="0"/>
+              </a:rPr>
+              <a:t>FROM rental</a:t>
+            </a:r>
+            <a:br>
+              <a:rPr lang="en-GB" dirty="0">
+                <a:highlight>
+                  <a:srgbClr val="00FFFF"/>
+                </a:highlight>
+                <a:latin typeface="Courier New" panose="02070309020205020404" pitchFamily="49" charset="0"/>
+                <a:cs typeface="Courier New" panose="02070309020205020404" pitchFamily="49" charset="0"/>
+              </a:rPr>
+            </a:br>
+            <a:r>
+              <a:rPr lang="en-GB" dirty="0">
+                <a:highlight>
+                  <a:srgbClr val="00FFFF"/>
+                </a:highlight>
+                <a:latin typeface="Courier New" panose="02070309020205020404" pitchFamily="49" charset="0"/>
+                <a:cs typeface="Courier New" panose="02070309020205020404" pitchFamily="49" charset="0"/>
+              </a:rPr>
+              <a:t>GROUP BY 1</a:t>
+            </a:r>
+            <a:br>
+              <a:rPr lang="en-GB" dirty="0">
+                <a:highlight>
+                  <a:srgbClr val="00FFFF"/>
+                </a:highlight>
+                <a:latin typeface="Courier New" panose="02070309020205020404" pitchFamily="49" charset="0"/>
+                <a:cs typeface="Courier New" panose="02070309020205020404" pitchFamily="49" charset="0"/>
+              </a:rPr>
+            </a:br>
+            <a:r>
+              <a:rPr lang="en-GB" dirty="0">
+                <a:highlight>
+                  <a:srgbClr val="00FFFF"/>
+                </a:highlight>
+                <a:latin typeface="Courier New" panose="02070309020205020404" pitchFamily="49" charset="0"/>
+                <a:cs typeface="Courier New" panose="02070309020205020404" pitchFamily="49" charset="0"/>
+              </a:rPr>
+              <a:t>ORDER BY 1</a:t>
+            </a:r>
+            <a:endParaRPr lang="en-GB" dirty="0"/>
+          </a:p>
+          <a:p>
+            <a:r>
+              <a:rPr lang="en-GB" dirty="0"/>
+              <a:t>There are lot more date utilities in SQL – but </a:t>
+            </a:r>
+            <a:r>
+              <a:rPr lang="en-GB" dirty="0">
+                <a:highlight>
+                  <a:srgbClr val="00FFFF"/>
+                </a:highlight>
+                <a:latin typeface="Courier New" panose="02070309020205020404" pitchFamily="49" charset="0"/>
+                <a:cs typeface="Courier New" panose="02070309020205020404" pitchFamily="49" charset="0"/>
+              </a:rPr>
+              <a:t>DATE_TRUNC</a:t>
+            </a:r>
+            <a:r>
+              <a:rPr lang="en-GB" dirty="0"/>
+              <a:t> and </a:t>
+            </a:r>
+            <a:r>
+              <a:rPr lang="en-GB" dirty="0">
+                <a:highlight>
+                  <a:srgbClr val="00FFFF"/>
+                </a:highlight>
+                <a:latin typeface="Courier New" panose="02070309020205020404" pitchFamily="49" charset="0"/>
+                <a:cs typeface="Courier New" panose="02070309020205020404" pitchFamily="49" charset="0"/>
+              </a:rPr>
+              <a:t>DATE_PART</a:t>
+            </a:r>
+            <a:r>
+              <a:rPr lang="en-GB" dirty="0"/>
+              <a:t> two common ones you may find yourself using. </a:t>
+            </a:r>
+            <a:r>
+              <a:rPr lang="en-GB" dirty="0">
+                <a:hlinkClick r:id="rId3"/>
+              </a:rPr>
+              <a:t>Refer to the documentation for a comprehensive list</a:t>
+            </a:r>
+            <a:endParaRPr lang="en-GB" dirty="0"/>
+          </a:p>
+        </p:txBody>
+      </p:sp>
+    </p:spTree>
+    <p:extLst>
+      <p:ext uri="{BB962C8B-B14F-4D97-AF65-F5344CB8AC3E}">
+        <p14:creationId xmlns:p14="http://schemas.microsoft.com/office/powerpoint/2010/main" val="2881906959"/>
+      </p:ext>
+    </p:extLst>
+  </p:cSld>
+  <p:clrMapOvr>
+    <a:masterClrMapping/>
+  </p:clrMapOvr>
+</p:sld>
+</file>
+
+<file path=ppt/slides/slide15.xml><?xml version="1.0" encoding="utf-8"?>
+<p:sld xmlns:a="http://schemas.openxmlformats.org/drawingml/2006/main" xmlns:r="http://schemas.openxmlformats.org/officeDocument/2006/relationships" xmlns:p="http://schemas.openxmlformats.org/presentationml/2006/main">
+  <p:cSld>
+    <p:spTree>
+      <p:nvGrpSpPr>
+        <p:cNvPr id="1" name=""/>
+        <p:cNvGrpSpPr/>
+        <p:nvPr/>
+      </p:nvGrpSpPr>
+      <p:grpSpPr>
+        <a:xfrm>
+          <a:off x="0" y="0"/>
+          <a:ext cx="0" cy="0"/>
+          <a:chOff x="0" y="0"/>
+          <a:chExt cx="0" cy="0"/>
+        </a:xfrm>
+      </p:grpSpPr>
+      <p:sp>
+        <p:nvSpPr>
+          <p:cNvPr id="2" name="Title 1">
+            <a:extLst>
+              <a:ext uri="{FF2B5EF4-FFF2-40B4-BE49-F238E27FC236}">
+                <a16:creationId xmlns:a16="http://schemas.microsoft.com/office/drawing/2014/main" id="{1B4110B1-D18A-469F-8A0E-8257B3E44B2F}"/>
+              </a:ext>
+            </a:extLst>
+          </p:cNvPr>
+          <p:cNvSpPr>
+            <a:spLocks noGrp="1"/>
+          </p:cNvSpPr>
+          <p:nvPr>
+            <p:ph type="title"/>
+          </p:nvPr>
+        </p:nvSpPr>
+        <p:spPr/>
+        <p:txBody>
+          <a:bodyPr/>
+          <a:lstStyle/>
+          <a:p>
+            <a:r>
+              <a:rPr lang="en-GB" dirty="0"/>
+              <a:t>Challenges!</a:t>
+            </a:r>
+          </a:p>
+        </p:txBody>
+      </p:sp>
+      <p:sp>
+        <p:nvSpPr>
+          <p:cNvPr id="3" name="Content Placeholder 2">
+            <a:extLst>
+              <a:ext uri="{FF2B5EF4-FFF2-40B4-BE49-F238E27FC236}">
+                <a16:creationId xmlns:a16="http://schemas.microsoft.com/office/drawing/2014/main" id="{99BE647D-9CDD-495D-8708-C40E150910EA}"/>
+              </a:ext>
+            </a:extLst>
+          </p:cNvPr>
+          <p:cNvSpPr>
+            <a:spLocks noGrp="1"/>
+          </p:cNvSpPr>
+          <p:nvPr>
+            <p:ph idx="1"/>
+          </p:nvPr>
+        </p:nvSpPr>
+        <p:spPr/>
+        <p:txBody>
+          <a:bodyPr>
+            <a:normAutofit fontScale="92500"/>
+          </a:bodyPr>
+          <a:lstStyle/>
+          <a:p>
+            <a:pPr marL="514350" indent="-514350">
+              <a:buFont typeface="+mj-lt"/>
+              <a:buAutoNum type="arabicPeriod"/>
+            </a:pPr>
+            <a:r>
+              <a:rPr lang="en-GB" dirty="0"/>
+              <a:t>Find the unique special features of films</a:t>
+            </a:r>
+          </a:p>
+          <a:p>
+            <a:pPr marL="514350" indent="-514350">
+              <a:buFont typeface="+mj-lt"/>
+              <a:buAutoNum type="arabicPeriod"/>
+            </a:pPr>
+            <a:r>
+              <a:rPr lang="en-GB" dirty="0"/>
+              <a:t>Which 3 days of the week are most profitable for the business?</a:t>
+            </a:r>
+          </a:p>
+          <a:p>
+            <a:pPr marL="514350" indent="-514350">
+              <a:buFont typeface="+mj-lt"/>
+              <a:buAutoNum type="arabicPeriod"/>
+            </a:pPr>
+            <a:r>
+              <a:rPr lang="en-GB" dirty="0"/>
+              <a:t>Count the number of rentals each customer has done. Return those only who have the number of rentals greater than 30.</a:t>
+            </a:r>
+          </a:p>
+          <a:p>
+            <a:pPr marL="914400" lvl="1" indent="-457200">
+              <a:buFont typeface="+mj-lt"/>
+              <a:buAutoNum type="arabicPeriod"/>
+            </a:pPr>
+            <a:r>
+              <a:rPr lang="en-GB" dirty="0"/>
+              <a:t>Hint: No joins needed</a:t>
+            </a:r>
+          </a:p>
+          <a:p>
+            <a:pPr marL="514350" indent="-514350">
+              <a:buFont typeface="+mj-lt"/>
+              <a:buAutoNum type="arabicPeriod"/>
+            </a:pPr>
+            <a:r>
+              <a:rPr lang="en-GB" dirty="0"/>
+              <a:t>Find the id’s of all customers who have spent over $100 over the course of their membership</a:t>
+            </a:r>
+          </a:p>
+          <a:p>
+            <a:pPr marL="514350" indent="-514350">
+              <a:buFont typeface="+mj-lt"/>
+              <a:buAutoNum type="arabicPeriod"/>
+            </a:pPr>
+            <a:r>
+              <a:rPr lang="en-GB" dirty="0"/>
+              <a:t>Advanced: Return the names of the cities, along with the total amount spent, where over $150 has been spent over the course of the resident’s membership. Order the results alphabetically on the city name</a:t>
+            </a:r>
+          </a:p>
+          <a:p>
+            <a:pPr marL="514350" indent="-514350">
+              <a:buFont typeface="+mj-lt"/>
+              <a:buAutoNum type="arabicPeriod"/>
+            </a:pPr>
+            <a:endParaRPr lang="en-GB" dirty="0"/>
+          </a:p>
+        </p:txBody>
+      </p:sp>
+    </p:spTree>
+    <p:extLst>
+      <p:ext uri="{BB962C8B-B14F-4D97-AF65-F5344CB8AC3E}">
+        <p14:creationId xmlns:p14="http://schemas.microsoft.com/office/powerpoint/2010/main" val="1887967767"/>
+      </p:ext>
+    </p:extLst>
+  </p:cSld>
+  <p:clrMapOvr>
+    <a:masterClrMapping/>
+  </p:clrMapOvr>
+</p:sld>
+</file>
+
+<file path=ppt/slides/slide16.xml><?xml version="1.0" encoding="utf-8"?>
+<p:sld xmlns:a="http://schemas.openxmlformats.org/drawingml/2006/main" xmlns:r="http://schemas.openxmlformats.org/officeDocument/2006/relationships" xmlns:p="http://schemas.openxmlformats.org/presentationml/2006/main">
+  <p:cSld>
+    <p:spTree>
+      <p:nvGrpSpPr>
+        <p:cNvPr id="1" name=""/>
+        <p:cNvGrpSpPr/>
+        <p:nvPr/>
+      </p:nvGrpSpPr>
+      <p:grpSpPr>
+        <a:xfrm>
+          <a:off x="0" y="0"/>
+          <a:ext cx="0" cy="0"/>
+          <a:chOff x="0" y="0"/>
+          <a:chExt cx="0" cy="0"/>
+        </a:xfrm>
+      </p:grpSpPr>
+      <p:sp>
+        <p:nvSpPr>
+          <p:cNvPr id="2" name="Title 1">
+            <a:extLst>
+              <a:ext uri="{FF2B5EF4-FFF2-40B4-BE49-F238E27FC236}">
+                <a16:creationId xmlns:a16="http://schemas.microsoft.com/office/drawing/2014/main" id="{465E4E51-C24F-4691-8468-B75C4B170F65}"/>
+              </a:ext>
+            </a:extLst>
+          </p:cNvPr>
+          <p:cNvSpPr>
+            <a:spLocks noGrp="1"/>
+          </p:cNvSpPr>
+          <p:nvPr>
+            <p:ph type="title"/>
+          </p:nvPr>
+        </p:nvSpPr>
+        <p:spPr/>
+        <p:txBody>
+          <a:bodyPr/>
+          <a:lstStyle/>
+          <a:p>
+            <a:r>
+              <a:rPr lang="en-GB" dirty="0"/>
+              <a:t>CASE</a:t>
+            </a:r>
+          </a:p>
+        </p:txBody>
+      </p:sp>
+      <p:sp>
+        <p:nvSpPr>
+          <p:cNvPr id="3" name="Content Placeholder 2">
+            <a:extLst>
+              <a:ext uri="{FF2B5EF4-FFF2-40B4-BE49-F238E27FC236}">
+                <a16:creationId xmlns:a16="http://schemas.microsoft.com/office/drawing/2014/main" id="{B147F2E1-5ECA-4363-AFCD-63B7B1AF8519}"/>
+              </a:ext>
+            </a:extLst>
+          </p:cNvPr>
+          <p:cNvSpPr>
+            <a:spLocks noGrp="1"/>
+          </p:cNvSpPr>
+          <p:nvPr>
+            <p:ph idx="1"/>
+          </p:nvPr>
+        </p:nvSpPr>
+        <p:spPr/>
+        <p:txBody>
+          <a:bodyPr>
+            <a:normAutofit/>
+          </a:bodyPr>
+          <a:lstStyle/>
+          <a:p>
+            <a:r>
+              <a:rPr lang="en-GB" dirty="0">
+                <a:highlight>
+                  <a:srgbClr val="00FFFF"/>
+                </a:highlight>
+                <a:latin typeface="Courier New" panose="02070309020205020404" pitchFamily="49" charset="0"/>
+                <a:cs typeface="Courier New" panose="02070309020205020404" pitchFamily="49" charset="0"/>
+              </a:rPr>
+              <a:t>CASE</a:t>
+            </a:r>
+            <a:r>
+              <a:rPr lang="en-GB" dirty="0"/>
+              <a:t> is SQL’s “if-then” statement</a:t>
+            </a:r>
+          </a:p>
+          <a:p>
+            <a:r>
+              <a:rPr lang="en-GB" dirty="0">
+                <a:highlight>
+                  <a:srgbClr val="00FFFF"/>
+                </a:highlight>
+                <a:latin typeface="Courier New" panose="02070309020205020404" pitchFamily="49" charset="0"/>
+                <a:cs typeface="Courier New" panose="02070309020205020404" pitchFamily="49" charset="0"/>
+              </a:rPr>
+              <a:t>CASE</a:t>
+            </a:r>
+            <a:r>
+              <a:rPr lang="en-GB" dirty="0"/>
+              <a:t> must include: </a:t>
+            </a:r>
+            <a:r>
+              <a:rPr lang="en-GB" dirty="0">
+                <a:highlight>
+                  <a:srgbClr val="00FFFF"/>
+                </a:highlight>
+                <a:latin typeface="Courier New" panose="02070309020205020404" pitchFamily="49" charset="0"/>
+                <a:cs typeface="Courier New" panose="02070309020205020404" pitchFamily="49" charset="0"/>
+              </a:rPr>
+              <a:t>WHEN</a:t>
+            </a:r>
+            <a:r>
+              <a:rPr lang="en-GB" dirty="0"/>
+              <a:t>, </a:t>
+            </a:r>
+            <a:r>
+              <a:rPr lang="en-GB" dirty="0">
+                <a:highlight>
+                  <a:srgbClr val="00FFFF"/>
+                </a:highlight>
+                <a:latin typeface="Courier New" panose="02070309020205020404" pitchFamily="49" charset="0"/>
+                <a:cs typeface="Courier New" panose="02070309020205020404" pitchFamily="49" charset="0"/>
+              </a:rPr>
+              <a:t>THEN</a:t>
+            </a:r>
+            <a:r>
+              <a:rPr lang="en-GB" dirty="0"/>
+              <a:t> and </a:t>
+            </a:r>
+            <a:r>
+              <a:rPr lang="en-GB" dirty="0">
+                <a:highlight>
+                  <a:srgbClr val="00FFFF"/>
+                </a:highlight>
+                <a:latin typeface="Courier New" panose="02070309020205020404" pitchFamily="49" charset="0"/>
+                <a:cs typeface="Courier New" panose="02070309020205020404" pitchFamily="49" charset="0"/>
+              </a:rPr>
+              <a:t>END</a:t>
+            </a:r>
+            <a:r>
+              <a:rPr lang="en-GB" dirty="0"/>
+              <a:t>. </a:t>
+            </a:r>
+            <a:r>
+              <a:rPr lang="en-GB" dirty="0">
+                <a:highlight>
+                  <a:srgbClr val="00FFFF"/>
+                </a:highlight>
+                <a:latin typeface="Courier New" panose="02070309020205020404" pitchFamily="49" charset="0"/>
+                <a:cs typeface="Courier New" panose="02070309020205020404" pitchFamily="49" charset="0"/>
+              </a:rPr>
+              <a:t>ELSE</a:t>
+            </a:r>
+            <a:r>
+              <a:rPr lang="en-GB" dirty="0"/>
+              <a:t> is an optional component which runs if non of the conditions are met</a:t>
+            </a:r>
+          </a:p>
+          <a:p>
+            <a:r>
+              <a:rPr lang="en-GB" dirty="0"/>
+              <a:t>General syntax given by:</a:t>
+            </a:r>
+            <a:br>
+              <a:rPr lang="en-GB" dirty="0"/>
+            </a:br>
+            <a:r>
+              <a:rPr lang="en-GB" dirty="0">
+                <a:highlight>
+                  <a:srgbClr val="00FFFF"/>
+                </a:highlight>
+                <a:latin typeface="Courier New" panose="02070309020205020404" pitchFamily="49" charset="0"/>
+                <a:cs typeface="Courier New" panose="02070309020205020404" pitchFamily="49" charset="0"/>
+              </a:rPr>
+              <a:t>CASE</a:t>
+            </a:r>
+            <a:br>
+              <a:rPr lang="en-GB" dirty="0">
+                <a:highlight>
+                  <a:srgbClr val="00FFFF"/>
+                </a:highlight>
+                <a:latin typeface="Courier New" panose="02070309020205020404" pitchFamily="49" charset="0"/>
+                <a:cs typeface="Courier New" panose="02070309020205020404" pitchFamily="49" charset="0"/>
+              </a:rPr>
+            </a:br>
+            <a:r>
+              <a:rPr lang="en-GB" dirty="0">
+                <a:highlight>
+                  <a:srgbClr val="00FFFF"/>
+                </a:highlight>
+                <a:latin typeface="Courier New" panose="02070309020205020404" pitchFamily="49" charset="0"/>
+                <a:cs typeface="Courier New" panose="02070309020205020404" pitchFamily="49" charset="0"/>
+              </a:rPr>
+              <a:t>    WHEN condition1 THEN result1</a:t>
+            </a:r>
+            <a:br>
+              <a:rPr lang="en-GB" dirty="0">
+                <a:highlight>
+                  <a:srgbClr val="00FFFF"/>
+                </a:highlight>
+                <a:latin typeface="Courier New" panose="02070309020205020404" pitchFamily="49" charset="0"/>
+                <a:cs typeface="Courier New" panose="02070309020205020404" pitchFamily="49" charset="0"/>
+              </a:rPr>
+            </a:br>
+            <a:r>
+              <a:rPr lang="en-GB" dirty="0">
+                <a:highlight>
+                  <a:srgbClr val="00FFFF"/>
+                </a:highlight>
+                <a:latin typeface="Courier New" panose="02070309020205020404" pitchFamily="49" charset="0"/>
+                <a:cs typeface="Courier New" panose="02070309020205020404" pitchFamily="49" charset="0"/>
+              </a:rPr>
+              <a:t>    WHEN condition2 THEN result2</a:t>
+            </a:r>
+            <a:br>
+              <a:rPr lang="en-GB" dirty="0">
+                <a:highlight>
+                  <a:srgbClr val="00FFFF"/>
+                </a:highlight>
+                <a:latin typeface="Courier New" panose="02070309020205020404" pitchFamily="49" charset="0"/>
+                <a:cs typeface="Courier New" panose="02070309020205020404" pitchFamily="49" charset="0"/>
+              </a:rPr>
+            </a:br>
+            <a:r>
+              <a:rPr lang="en-GB" dirty="0">
+                <a:highlight>
+                  <a:srgbClr val="00FFFF"/>
+                </a:highlight>
+                <a:latin typeface="Courier New" panose="02070309020205020404" pitchFamily="49" charset="0"/>
+                <a:cs typeface="Courier New" panose="02070309020205020404" pitchFamily="49" charset="0"/>
+              </a:rPr>
+              <a:t>    WHEN </a:t>
+            </a:r>
+            <a:r>
+              <a:rPr lang="en-GB" dirty="0" err="1">
+                <a:highlight>
+                  <a:srgbClr val="00FFFF"/>
+                </a:highlight>
+                <a:latin typeface="Courier New" panose="02070309020205020404" pitchFamily="49" charset="0"/>
+                <a:cs typeface="Courier New" panose="02070309020205020404" pitchFamily="49" charset="0"/>
+              </a:rPr>
+              <a:t>conditionN</a:t>
+            </a:r>
+            <a:r>
+              <a:rPr lang="en-GB" dirty="0">
+                <a:highlight>
+                  <a:srgbClr val="00FFFF"/>
+                </a:highlight>
+                <a:latin typeface="Courier New" panose="02070309020205020404" pitchFamily="49" charset="0"/>
+                <a:cs typeface="Courier New" panose="02070309020205020404" pitchFamily="49" charset="0"/>
+              </a:rPr>
+              <a:t> THEN </a:t>
+            </a:r>
+            <a:r>
+              <a:rPr lang="en-GB" dirty="0" err="1">
+                <a:highlight>
+                  <a:srgbClr val="00FFFF"/>
+                </a:highlight>
+                <a:latin typeface="Courier New" panose="02070309020205020404" pitchFamily="49" charset="0"/>
+                <a:cs typeface="Courier New" panose="02070309020205020404" pitchFamily="49" charset="0"/>
+              </a:rPr>
+              <a:t>resultN</a:t>
+            </a:r>
+            <a:br>
+              <a:rPr lang="en-GB" dirty="0">
+                <a:highlight>
+                  <a:srgbClr val="00FFFF"/>
+                </a:highlight>
+                <a:latin typeface="Courier New" panose="02070309020205020404" pitchFamily="49" charset="0"/>
+                <a:cs typeface="Courier New" panose="02070309020205020404" pitchFamily="49" charset="0"/>
+              </a:rPr>
+            </a:br>
+            <a:r>
+              <a:rPr lang="en-GB" dirty="0">
+                <a:highlight>
+                  <a:srgbClr val="00FFFF"/>
+                </a:highlight>
+                <a:latin typeface="Courier New" panose="02070309020205020404" pitchFamily="49" charset="0"/>
+                <a:cs typeface="Courier New" panose="02070309020205020404" pitchFamily="49" charset="0"/>
+              </a:rPr>
+              <a:t>    ELSE result</a:t>
+            </a:r>
+            <a:br>
+              <a:rPr lang="en-GB" dirty="0">
+                <a:highlight>
+                  <a:srgbClr val="00FFFF"/>
+                </a:highlight>
+                <a:latin typeface="Courier New" panose="02070309020205020404" pitchFamily="49" charset="0"/>
+                <a:cs typeface="Courier New" panose="02070309020205020404" pitchFamily="49" charset="0"/>
+              </a:rPr>
+            </a:br>
+            <a:r>
+              <a:rPr lang="en-GB" dirty="0">
+                <a:highlight>
+                  <a:srgbClr val="00FFFF"/>
+                </a:highlight>
+                <a:latin typeface="Courier New" panose="02070309020205020404" pitchFamily="49" charset="0"/>
+                <a:cs typeface="Courier New" panose="02070309020205020404" pitchFamily="49" charset="0"/>
+              </a:rPr>
+              <a:t>END</a:t>
+            </a:r>
+          </a:p>
+        </p:txBody>
+      </p:sp>
+    </p:spTree>
+    <p:extLst>
+      <p:ext uri="{BB962C8B-B14F-4D97-AF65-F5344CB8AC3E}">
+        <p14:creationId xmlns:p14="http://schemas.microsoft.com/office/powerpoint/2010/main" val="942275945"/>
+      </p:ext>
+    </p:extLst>
+  </p:cSld>
+  <p:clrMapOvr>
+    <a:masterClrMapping/>
+  </p:clrMapOvr>
+</p:sld>
+</file>
+
+<file path=ppt/slides/slide17.xml><?xml version="1.0" encoding="utf-8"?>
+<p:sld xmlns:a="http://schemas.openxmlformats.org/drawingml/2006/main" xmlns:r="http://schemas.openxmlformats.org/officeDocument/2006/relationships" xmlns:p="http://schemas.openxmlformats.org/presentationml/2006/main">
+  <p:cSld>
+    <p:spTree>
+      <p:nvGrpSpPr>
+        <p:cNvPr id="1" name=""/>
+        <p:cNvGrpSpPr/>
+        <p:nvPr/>
+      </p:nvGrpSpPr>
+      <p:grpSpPr>
+        <a:xfrm>
+          <a:off x="0" y="0"/>
+          <a:ext cx="0" cy="0"/>
+          <a:chOff x="0" y="0"/>
+          <a:chExt cx="0" cy="0"/>
+        </a:xfrm>
+      </p:grpSpPr>
+      <p:sp>
+        <p:nvSpPr>
+          <p:cNvPr id="2" name="Title 1">
+            <a:extLst>
+              <a:ext uri="{FF2B5EF4-FFF2-40B4-BE49-F238E27FC236}">
+                <a16:creationId xmlns:a16="http://schemas.microsoft.com/office/drawing/2014/main" id="{EE0E422A-B33B-44C3-8CC1-EBE6D9CFDB88}"/>
+              </a:ext>
+            </a:extLst>
+          </p:cNvPr>
+          <p:cNvSpPr>
+            <a:spLocks noGrp="1"/>
+          </p:cNvSpPr>
+          <p:nvPr>
+            <p:ph type="title"/>
+          </p:nvPr>
+        </p:nvSpPr>
+        <p:spPr/>
+        <p:txBody>
+          <a:bodyPr/>
+          <a:lstStyle/>
+          <a:p>
+            <a:r>
+              <a:rPr lang="en-GB" dirty="0"/>
+              <a:t>CASE (2)</a:t>
+            </a:r>
+          </a:p>
+        </p:txBody>
+      </p:sp>
+      <p:sp>
+        <p:nvSpPr>
+          <p:cNvPr id="3" name="Content Placeholder 2">
+            <a:extLst>
+              <a:ext uri="{FF2B5EF4-FFF2-40B4-BE49-F238E27FC236}">
+                <a16:creationId xmlns:a16="http://schemas.microsoft.com/office/drawing/2014/main" id="{AC82B36E-6F3F-43ED-BCD2-EC9F8A6763B0}"/>
+              </a:ext>
+            </a:extLst>
+          </p:cNvPr>
+          <p:cNvSpPr>
+            <a:spLocks noGrp="1"/>
+          </p:cNvSpPr>
+          <p:nvPr>
+            <p:ph idx="1"/>
+          </p:nvPr>
+        </p:nvSpPr>
+        <p:spPr/>
+        <p:txBody>
+          <a:bodyPr>
+            <a:normAutofit/>
+          </a:bodyPr>
+          <a:lstStyle/>
+          <a:p>
+            <a:r>
+              <a:rPr lang="en-GB" dirty="0"/>
+              <a:t>So if we wanted to label films as discount, regular, or premium based on their price…</a:t>
+            </a:r>
+          </a:p>
+          <a:p>
+            <a:r>
+              <a:rPr lang="en-GB" sz="2000" dirty="0">
+                <a:highlight>
+                  <a:srgbClr val="00FFFF"/>
+                </a:highlight>
+                <a:latin typeface="Courier New" panose="02070309020205020404" pitchFamily="49" charset="0"/>
+                <a:cs typeface="Courier New" panose="02070309020205020404" pitchFamily="49" charset="0"/>
+              </a:rPr>
+              <a:t>SELECT title, </a:t>
+            </a:r>
+            <a:r>
+              <a:rPr lang="en-GB" sz="2000" dirty="0" err="1">
+                <a:highlight>
+                  <a:srgbClr val="00FFFF"/>
+                </a:highlight>
+                <a:latin typeface="Courier New" panose="02070309020205020404" pitchFamily="49" charset="0"/>
+                <a:cs typeface="Courier New" panose="02070309020205020404" pitchFamily="49" charset="0"/>
+              </a:rPr>
+              <a:t>release_year</a:t>
+            </a:r>
+            <a:r>
+              <a:rPr lang="en-GB" sz="2000" dirty="0">
+                <a:highlight>
+                  <a:srgbClr val="00FFFF"/>
+                </a:highlight>
+                <a:latin typeface="Courier New" panose="02070309020205020404" pitchFamily="49" charset="0"/>
+                <a:cs typeface="Courier New" panose="02070309020205020404" pitchFamily="49" charset="0"/>
+              </a:rPr>
+              <a:t>, </a:t>
+            </a:r>
+            <a:r>
+              <a:rPr lang="en-GB" sz="2000" dirty="0" err="1">
+                <a:highlight>
+                  <a:srgbClr val="00FFFF"/>
+                </a:highlight>
+                <a:latin typeface="Courier New" panose="02070309020205020404" pitchFamily="49" charset="0"/>
+                <a:cs typeface="Courier New" panose="02070309020205020404" pitchFamily="49" charset="0"/>
+              </a:rPr>
+              <a:t>rental_rate</a:t>
+            </a:r>
+            <a:br>
+              <a:rPr lang="en-GB" sz="2000" dirty="0">
+                <a:highlight>
+                  <a:srgbClr val="00FFFF"/>
+                </a:highlight>
+                <a:latin typeface="Courier New" panose="02070309020205020404" pitchFamily="49" charset="0"/>
+                <a:cs typeface="Courier New" panose="02070309020205020404" pitchFamily="49" charset="0"/>
+              </a:rPr>
+            </a:br>
+            <a:r>
+              <a:rPr lang="en-GB" sz="2000" dirty="0">
+                <a:highlight>
+                  <a:srgbClr val="00FFFF"/>
+                </a:highlight>
+                <a:latin typeface="Courier New" panose="02070309020205020404" pitchFamily="49" charset="0"/>
+                <a:cs typeface="Courier New" panose="02070309020205020404" pitchFamily="49" charset="0"/>
+              </a:rPr>
+              <a:t>CASE</a:t>
+            </a:r>
+            <a:br>
+              <a:rPr lang="en-GB" sz="2000" dirty="0">
+                <a:highlight>
+                  <a:srgbClr val="00FFFF"/>
+                </a:highlight>
+                <a:latin typeface="Courier New" panose="02070309020205020404" pitchFamily="49" charset="0"/>
+                <a:cs typeface="Courier New" panose="02070309020205020404" pitchFamily="49" charset="0"/>
+              </a:rPr>
+            </a:br>
+            <a:r>
+              <a:rPr lang="en-GB" sz="2000" dirty="0">
+                <a:highlight>
+                  <a:srgbClr val="00FFFF"/>
+                </a:highlight>
+                <a:latin typeface="Courier New" panose="02070309020205020404" pitchFamily="49" charset="0"/>
+                <a:cs typeface="Courier New" panose="02070309020205020404" pitchFamily="49" charset="0"/>
+              </a:rPr>
+              <a:t>  WHEN </a:t>
+            </a:r>
+            <a:r>
+              <a:rPr lang="en-GB" sz="2000" dirty="0" err="1">
+                <a:highlight>
+                  <a:srgbClr val="00FFFF"/>
+                </a:highlight>
+                <a:latin typeface="Courier New" panose="02070309020205020404" pitchFamily="49" charset="0"/>
+                <a:cs typeface="Courier New" panose="02070309020205020404" pitchFamily="49" charset="0"/>
+              </a:rPr>
+              <a:t>rental_rate</a:t>
+            </a:r>
+            <a:r>
+              <a:rPr lang="en-GB" sz="2000" dirty="0">
+                <a:highlight>
+                  <a:srgbClr val="00FFFF"/>
+                </a:highlight>
+                <a:latin typeface="Courier New" panose="02070309020205020404" pitchFamily="49" charset="0"/>
+                <a:cs typeface="Courier New" panose="02070309020205020404" pitchFamily="49" charset="0"/>
+              </a:rPr>
+              <a:t> &gt; 0 AND </a:t>
+            </a:r>
+            <a:r>
+              <a:rPr lang="en-GB" sz="2000" dirty="0" err="1">
+                <a:highlight>
+                  <a:srgbClr val="00FFFF"/>
+                </a:highlight>
+                <a:latin typeface="Courier New" panose="02070309020205020404" pitchFamily="49" charset="0"/>
+                <a:cs typeface="Courier New" panose="02070309020205020404" pitchFamily="49" charset="0"/>
+              </a:rPr>
+              <a:t>rental_rate</a:t>
+            </a:r>
+            <a:r>
+              <a:rPr lang="en-GB" sz="2000" dirty="0">
+                <a:highlight>
+                  <a:srgbClr val="00FFFF"/>
+                </a:highlight>
+                <a:latin typeface="Courier New" panose="02070309020205020404" pitchFamily="49" charset="0"/>
+                <a:cs typeface="Courier New" panose="02070309020205020404" pitchFamily="49" charset="0"/>
+              </a:rPr>
+              <a:t> &lt; 2.99 THEN 'discount'</a:t>
+            </a:r>
+            <a:br>
+              <a:rPr lang="en-GB" sz="2000" dirty="0">
+                <a:highlight>
+                  <a:srgbClr val="00FFFF"/>
+                </a:highlight>
+                <a:latin typeface="Courier New" panose="02070309020205020404" pitchFamily="49" charset="0"/>
+                <a:cs typeface="Courier New" panose="02070309020205020404" pitchFamily="49" charset="0"/>
+              </a:rPr>
+            </a:br>
+            <a:r>
+              <a:rPr lang="en-GB" sz="2000" dirty="0">
+                <a:highlight>
+                  <a:srgbClr val="00FFFF"/>
+                </a:highlight>
+                <a:latin typeface="Courier New" panose="02070309020205020404" pitchFamily="49" charset="0"/>
+                <a:cs typeface="Courier New" panose="02070309020205020404" pitchFamily="49" charset="0"/>
+              </a:rPr>
+              <a:t>  WHEN </a:t>
+            </a:r>
+            <a:r>
+              <a:rPr lang="en-GB" sz="2000" dirty="0" err="1">
+                <a:highlight>
+                  <a:srgbClr val="00FFFF"/>
+                </a:highlight>
+                <a:latin typeface="Courier New" panose="02070309020205020404" pitchFamily="49" charset="0"/>
+                <a:cs typeface="Courier New" panose="02070309020205020404" pitchFamily="49" charset="0"/>
+              </a:rPr>
+              <a:t>rental_rate</a:t>
+            </a:r>
+            <a:r>
+              <a:rPr lang="en-GB" sz="2000" dirty="0">
+                <a:highlight>
+                  <a:srgbClr val="00FFFF"/>
+                </a:highlight>
+                <a:latin typeface="Courier New" panose="02070309020205020404" pitchFamily="49" charset="0"/>
+                <a:cs typeface="Courier New" panose="02070309020205020404" pitchFamily="49" charset="0"/>
+              </a:rPr>
+              <a:t> &gt;= 2.99 AND </a:t>
+            </a:r>
+            <a:r>
+              <a:rPr lang="en-GB" sz="2000" dirty="0" err="1">
+                <a:highlight>
+                  <a:srgbClr val="00FFFF"/>
+                </a:highlight>
+                <a:latin typeface="Courier New" panose="02070309020205020404" pitchFamily="49" charset="0"/>
+                <a:cs typeface="Courier New" panose="02070309020205020404" pitchFamily="49" charset="0"/>
+              </a:rPr>
+              <a:t>rental_rate</a:t>
+            </a:r>
+            <a:r>
+              <a:rPr lang="en-GB" sz="2000" dirty="0">
+                <a:highlight>
+                  <a:srgbClr val="00FFFF"/>
+                </a:highlight>
+                <a:latin typeface="Courier New" panose="02070309020205020404" pitchFamily="49" charset="0"/>
+                <a:cs typeface="Courier New" panose="02070309020205020404" pitchFamily="49" charset="0"/>
+              </a:rPr>
+              <a:t> &lt; 4.99 THEN 'regular'</a:t>
+            </a:r>
+            <a:br>
+              <a:rPr lang="en-GB" sz="2000" dirty="0">
+                <a:highlight>
+                  <a:srgbClr val="00FFFF"/>
+                </a:highlight>
+                <a:latin typeface="Courier New" panose="02070309020205020404" pitchFamily="49" charset="0"/>
+                <a:cs typeface="Courier New" panose="02070309020205020404" pitchFamily="49" charset="0"/>
+              </a:rPr>
+            </a:br>
+            <a:r>
+              <a:rPr lang="en-GB" sz="2000" dirty="0">
+                <a:highlight>
+                  <a:srgbClr val="00FFFF"/>
+                </a:highlight>
+                <a:latin typeface="Courier New" panose="02070309020205020404" pitchFamily="49" charset="0"/>
+                <a:cs typeface="Courier New" panose="02070309020205020404" pitchFamily="49" charset="0"/>
+              </a:rPr>
+              <a:t>  ELSE 'premium'</a:t>
+            </a:r>
+            <a:br>
+              <a:rPr lang="en-GB" sz="2000" dirty="0">
+                <a:highlight>
+                  <a:srgbClr val="00FFFF"/>
+                </a:highlight>
+                <a:latin typeface="Courier New" panose="02070309020205020404" pitchFamily="49" charset="0"/>
+                <a:cs typeface="Courier New" panose="02070309020205020404" pitchFamily="49" charset="0"/>
+              </a:rPr>
+            </a:br>
+            <a:r>
+              <a:rPr lang="en-GB" sz="2000" dirty="0">
+                <a:highlight>
+                  <a:srgbClr val="00FFFF"/>
+                </a:highlight>
+                <a:latin typeface="Courier New" panose="02070309020205020404" pitchFamily="49" charset="0"/>
+                <a:cs typeface="Courier New" panose="02070309020205020404" pitchFamily="49" charset="0"/>
+              </a:rPr>
+              <a:t>END [AS </a:t>
+            </a:r>
+            <a:r>
+              <a:rPr lang="en-GB" sz="2000" dirty="0" err="1">
+                <a:highlight>
+                  <a:srgbClr val="00FFFF"/>
+                </a:highlight>
+                <a:latin typeface="Courier New" panose="02070309020205020404" pitchFamily="49" charset="0"/>
+                <a:cs typeface="Courier New" panose="02070309020205020404" pitchFamily="49" charset="0"/>
+              </a:rPr>
+              <a:t>price_category</a:t>
+            </a:r>
+            <a:r>
+              <a:rPr lang="en-GB" sz="2000" dirty="0">
+                <a:highlight>
+                  <a:srgbClr val="00FFFF"/>
+                </a:highlight>
+                <a:latin typeface="Courier New" panose="02070309020205020404" pitchFamily="49" charset="0"/>
+                <a:cs typeface="Courier New" panose="02070309020205020404" pitchFamily="49" charset="0"/>
+              </a:rPr>
+              <a:t>]</a:t>
+            </a:r>
+            <a:br>
+              <a:rPr lang="en-GB" sz="2000" dirty="0">
+                <a:highlight>
+                  <a:srgbClr val="00FFFF"/>
+                </a:highlight>
+                <a:latin typeface="Courier New" panose="02070309020205020404" pitchFamily="49" charset="0"/>
+                <a:cs typeface="Courier New" panose="02070309020205020404" pitchFamily="49" charset="0"/>
+              </a:rPr>
+            </a:br>
+            <a:r>
+              <a:rPr lang="en-GB" sz="2000" dirty="0">
+                <a:highlight>
+                  <a:srgbClr val="00FFFF"/>
+                </a:highlight>
+                <a:latin typeface="Courier New" panose="02070309020205020404" pitchFamily="49" charset="0"/>
+                <a:cs typeface="Courier New" panose="02070309020205020404" pitchFamily="49" charset="0"/>
+              </a:rPr>
+              <a:t>FROM film</a:t>
+            </a:r>
+          </a:p>
+        </p:txBody>
+      </p:sp>
+    </p:spTree>
+    <p:extLst>
+      <p:ext uri="{BB962C8B-B14F-4D97-AF65-F5344CB8AC3E}">
+        <p14:creationId xmlns:p14="http://schemas.microsoft.com/office/powerpoint/2010/main" val="1947698699"/>
+      </p:ext>
+    </p:extLst>
+  </p:cSld>
+  <p:clrMapOvr>
+    <a:masterClrMapping/>
+  </p:clrMapOvr>
+</p:sld>
+</file>
+
+<file path=ppt/slides/slide18.xml><?xml version="1.0" encoding="utf-8"?>
+<p:sld xmlns:a="http://schemas.openxmlformats.org/drawingml/2006/main" xmlns:r="http://schemas.openxmlformats.org/officeDocument/2006/relationships" xmlns:p="http://schemas.openxmlformats.org/presentationml/2006/main">
+  <p:cSld>
+    <p:spTree>
+      <p:nvGrpSpPr>
+        <p:cNvPr id="1" name=""/>
+        <p:cNvGrpSpPr/>
+        <p:nvPr/>
+      </p:nvGrpSpPr>
+      <p:grpSpPr>
+        <a:xfrm>
+          <a:off x="0" y="0"/>
+          <a:ext cx="0" cy="0"/>
+          <a:chOff x="0" y="0"/>
+          <a:chExt cx="0" cy="0"/>
+        </a:xfrm>
+      </p:grpSpPr>
+      <p:sp>
+        <p:nvSpPr>
+          <p:cNvPr id="2" name="Title 1">
+            <a:extLst>
+              <a:ext uri="{FF2B5EF4-FFF2-40B4-BE49-F238E27FC236}">
+                <a16:creationId xmlns:a16="http://schemas.microsoft.com/office/drawing/2014/main" id="{B15F8B13-4A31-4BFF-B76C-37B91B7FA174}"/>
+              </a:ext>
+            </a:extLst>
+          </p:cNvPr>
+          <p:cNvSpPr>
+            <a:spLocks noGrp="1"/>
+          </p:cNvSpPr>
+          <p:nvPr>
+            <p:ph type="title"/>
+          </p:nvPr>
+        </p:nvSpPr>
+        <p:spPr/>
+        <p:txBody>
+          <a:bodyPr/>
+          <a:lstStyle/>
+          <a:p>
+            <a:r>
+              <a:rPr lang="en-GB" dirty="0"/>
+              <a:t>Challenge!</a:t>
+            </a:r>
+          </a:p>
+        </p:txBody>
+      </p:sp>
+      <p:sp>
+        <p:nvSpPr>
+          <p:cNvPr id="3" name="Content Placeholder 2">
+            <a:extLst>
+              <a:ext uri="{FF2B5EF4-FFF2-40B4-BE49-F238E27FC236}">
+                <a16:creationId xmlns:a16="http://schemas.microsoft.com/office/drawing/2014/main" id="{36FA8C00-76BA-4A49-A061-DE576B4B4D6C}"/>
+              </a:ext>
+            </a:extLst>
+          </p:cNvPr>
+          <p:cNvSpPr>
+            <a:spLocks noGrp="1"/>
+          </p:cNvSpPr>
+          <p:nvPr>
+            <p:ph idx="1"/>
+          </p:nvPr>
+        </p:nvSpPr>
+        <p:spPr/>
+        <p:txBody>
+          <a:bodyPr/>
+          <a:lstStyle/>
+          <a:p>
+            <a:pPr marL="514350" indent="-514350">
+              <a:buFont typeface="+mj-lt"/>
+              <a:buAutoNum type="arabicPeriod"/>
+            </a:pPr>
+            <a:r>
+              <a:rPr lang="en-GB" dirty="0"/>
+              <a:t>Return a table which counts the number of customers making a low, medium, or high value transaction. A low payment is anything under $3, a medium anything between $3 and $7, and a high order anything above $7.</a:t>
+            </a:r>
+          </a:p>
+        </p:txBody>
+      </p:sp>
+    </p:spTree>
+    <p:extLst>
+      <p:ext uri="{BB962C8B-B14F-4D97-AF65-F5344CB8AC3E}">
+        <p14:creationId xmlns:p14="http://schemas.microsoft.com/office/powerpoint/2010/main" val="4047333173"/>
+      </p:ext>
+    </p:extLst>
+  </p:cSld>
+  <p:clrMapOvr>
+    <a:masterClrMapping/>
+  </p:clrMapOvr>
+</p:sld>
+</file>
+
 <file path=ppt/slides/slide2.xml><?xml version="1.0" encoding="utf-8"?>
 <p:sld xmlns:a="http://schemas.openxmlformats.org/drawingml/2006/main" xmlns:r="http://schemas.openxmlformats.org/officeDocument/2006/relationships" xmlns:p="http://schemas.openxmlformats.org/presentationml/2006/main">
   <p:cSld>
@@ -4759,13 +8008,55 @@
           <a:p>
             <a:r>
               <a:rPr lang="en-GB" dirty="0"/>
-              <a:t>When using aggregates, any column in SELECT which is not an aggregate must also be specified in the GROUP BY statement</a:t>
-            </a:r>
-          </a:p>
-          <a:p>
-            <a:r>
-              <a:rPr lang="en-GB" dirty="0"/>
-              <a:t>Commonly used with ORDER BY too</a:t>
+              <a:t>When using aggregates, any column in </a:t>
+            </a:r>
+            <a:r>
+              <a:rPr lang="en-GB" dirty="0">
+                <a:highlight>
+                  <a:srgbClr val="00FFFF"/>
+                </a:highlight>
+                <a:latin typeface="Courier New" panose="02070309020205020404" pitchFamily="49" charset="0"/>
+                <a:cs typeface="Courier New" panose="02070309020205020404" pitchFamily="49" charset="0"/>
+              </a:rPr>
+              <a:t>SELECT</a:t>
+            </a:r>
+            <a:r>
+              <a:rPr lang="en-GB" dirty="0"/>
+              <a:t> which is not an aggregate must also be specified in the </a:t>
+            </a:r>
+            <a:r>
+              <a:rPr lang="en-GB" dirty="0">
+                <a:highlight>
+                  <a:srgbClr val="00FFFF"/>
+                </a:highlight>
+                <a:latin typeface="Courier New" panose="02070309020205020404" pitchFamily="49" charset="0"/>
+                <a:cs typeface="Courier New" panose="02070309020205020404" pitchFamily="49" charset="0"/>
+              </a:rPr>
+              <a:t>GROUP BY</a:t>
+            </a:r>
+            <a:r>
+              <a:rPr lang="en-GB" dirty="0"/>
+              <a:t> statement</a:t>
+            </a:r>
+          </a:p>
+          <a:p>
+            <a:r>
+              <a:rPr lang="en-GB" dirty="0"/>
+              <a:t>We can </a:t>
+            </a:r>
+            <a:r>
+              <a:rPr lang="en-GB" dirty="0">
+                <a:highlight>
+                  <a:srgbClr val="00FFFF"/>
+                </a:highlight>
+                <a:latin typeface="Courier New" panose="02070309020205020404" pitchFamily="49" charset="0"/>
+                <a:cs typeface="Courier New" panose="02070309020205020404" pitchFamily="49" charset="0"/>
+              </a:rPr>
+              <a:t>GROUP BY</a:t>
+            </a:r>
+            <a:r>
+              <a:rPr lang="en-GB" dirty="0"/>
+              <a:t> on multiple columns!</a:t>
             </a:r>
           </a:p>
           <a:p>
@@ -4774,29 +8065,131 @@
           </a:p>
           <a:p>
             <a:r>
-              <a:rPr lang="en-GB" dirty="0"/>
-              <a:t>SELECT rating, AVG(rating)</a:t>
+              <a:rPr lang="en-GB" dirty="0">
+                <a:highlight>
+                  <a:srgbClr val="00FFFF"/>
+                </a:highlight>
+                <a:latin typeface="Courier New" panose="02070309020205020404" pitchFamily="49" charset="0"/>
+                <a:cs typeface="Courier New" panose="02070309020205020404" pitchFamily="49" charset="0"/>
+              </a:rPr>
+              <a:t>SELECT rating, AVG(length), [</a:t>
+            </a:r>
+            <a:r>
+              <a:rPr lang="en-GB" dirty="0" err="1">
+                <a:highlight>
+                  <a:srgbClr val="00FFFF"/>
+                </a:highlight>
+                <a:latin typeface="Courier New" panose="02070309020205020404" pitchFamily="49" charset="0"/>
+                <a:cs typeface="Courier New" panose="02070309020205020404" pitchFamily="49" charset="0"/>
+              </a:rPr>
+              <a:t>replacement_cost</a:t>
+            </a:r>
+            <a:r>
+              <a:rPr lang="en-GB" dirty="0">
+                <a:highlight>
+                  <a:srgbClr val="00FFFF"/>
+                </a:highlight>
+                <a:latin typeface="Courier New" panose="02070309020205020404" pitchFamily="49" charset="0"/>
+                <a:cs typeface="Courier New" panose="02070309020205020404" pitchFamily="49" charset="0"/>
+              </a:rPr>
+              <a:t>]</a:t>
             </a:r>
             <a:br>
-              <a:rPr lang="en-GB" dirty="0"/>
+              <a:rPr lang="en-GB" dirty="0">
+                <a:highlight>
+                  <a:srgbClr val="00FFFF"/>
+                </a:highlight>
+                <a:latin typeface="Courier New" panose="02070309020205020404" pitchFamily="49" charset="0"/>
+                <a:cs typeface="Courier New" panose="02070309020205020404" pitchFamily="49" charset="0"/>
+              </a:rPr>
             </a:br>
             <a:r>
-              <a:rPr lang="en-GB" dirty="0"/>
+              <a:rPr lang="en-GB" dirty="0">
+                <a:highlight>
+                  <a:srgbClr val="00FFFF"/>
+                </a:highlight>
+                <a:latin typeface="Courier New" panose="02070309020205020404" pitchFamily="49" charset="0"/>
+                <a:cs typeface="Courier New" panose="02070309020205020404" pitchFamily="49" charset="0"/>
+              </a:rPr>
               <a:t>FROM film</a:t>
             </a:r>
             <a:br>
-              <a:rPr lang="en-GB" dirty="0"/>
+              <a:rPr lang="en-GB" dirty="0">
+                <a:highlight>
+                  <a:srgbClr val="00FFFF"/>
+                </a:highlight>
+                <a:latin typeface="Courier New" panose="02070309020205020404" pitchFamily="49" charset="0"/>
+                <a:cs typeface="Courier New" panose="02070309020205020404" pitchFamily="49" charset="0"/>
+              </a:rPr>
             </a:br>
             <a:r>
-              <a:rPr lang="en-GB" dirty="0"/>
-              <a:t>GROUP BY rating</a:t>
+              <a:rPr lang="en-GB" dirty="0">
+                <a:highlight>
+                  <a:srgbClr val="00FFFF"/>
+                </a:highlight>
+                <a:latin typeface="Courier New" panose="02070309020205020404" pitchFamily="49" charset="0"/>
+                <a:cs typeface="Courier New" panose="02070309020205020404" pitchFamily="49" charset="0"/>
+              </a:rPr>
+              <a:t>GROUP BY rating, [</a:t>
+            </a:r>
+            <a:r>
+              <a:rPr lang="en-GB" dirty="0" err="1">
+                <a:highlight>
+                  <a:srgbClr val="00FFFF"/>
+                </a:highlight>
+                <a:latin typeface="Courier New" panose="02070309020205020404" pitchFamily="49" charset="0"/>
+                <a:cs typeface="Courier New" panose="02070309020205020404" pitchFamily="49" charset="0"/>
+              </a:rPr>
+              <a:t>replacement_cost</a:t>
+            </a:r>
+            <a:r>
+              <a:rPr lang="en-GB" dirty="0">
+                <a:highlight>
+                  <a:srgbClr val="00FFFF"/>
+                </a:highlight>
+                <a:latin typeface="Courier New" panose="02070309020205020404" pitchFamily="49" charset="0"/>
+                <a:cs typeface="Courier New" panose="02070309020205020404" pitchFamily="49" charset="0"/>
+              </a:rPr>
+              <a:t>]</a:t>
             </a:r>
             <a:br>
-              <a:rPr lang="en-GB" dirty="0"/>
+              <a:rPr lang="en-GB" dirty="0">
+                <a:highlight>
+                  <a:srgbClr val="00FFFF"/>
+                </a:highlight>
+                <a:latin typeface="Courier New" panose="02070309020205020404" pitchFamily="49" charset="0"/>
+                <a:cs typeface="Courier New" panose="02070309020205020404" pitchFamily="49" charset="0"/>
+              </a:rPr>
             </a:br>
             <a:r>
-              <a:rPr lang="en-GB" dirty="0"/>
-              <a:t>ORDER BY rating</a:t>
+              <a:rPr lang="en-GB" dirty="0">
+                <a:highlight>
+                  <a:srgbClr val="00FFFF"/>
+                </a:highlight>
+                <a:latin typeface="Courier New" panose="02070309020205020404" pitchFamily="49" charset="0"/>
+                <a:cs typeface="Courier New" panose="02070309020205020404" pitchFamily="49" charset="0"/>
+              </a:rPr>
+              <a:t>ORDER BY rating, [</a:t>
+            </a:r>
+            <a:r>
+              <a:rPr lang="en-GB" dirty="0" err="1">
+                <a:highlight>
+                  <a:srgbClr val="00FFFF"/>
+                </a:highlight>
+                <a:latin typeface="Courier New" panose="02070309020205020404" pitchFamily="49" charset="0"/>
+                <a:cs typeface="Courier New" panose="02070309020205020404" pitchFamily="49" charset="0"/>
+              </a:rPr>
+              <a:t>replacement_cost</a:t>
+            </a:r>
+            <a:r>
+              <a:rPr lang="en-GB" dirty="0">
+                <a:highlight>
+                  <a:srgbClr val="00FFFF"/>
+                </a:highlight>
+                <a:latin typeface="Courier New" panose="02070309020205020404" pitchFamily="49" charset="0"/>
+                <a:cs typeface="Courier New" panose="02070309020205020404" pitchFamily="49" charset="0"/>
+              </a:rPr>
+              <a:t>]</a:t>
             </a:r>
           </a:p>
           <a:p>
@@ -4855,7 +8248,10 @@
           <a:bodyPr/>
           <a:lstStyle/>
           <a:p>
-            <a:endParaRPr lang="en-GB"/>
+            <a:r>
+              <a:rPr lang="en-GB" dirty="0"/>
+              <a:t>Challenges!</a:t>
+            </a:r>
           </a:p>
         </p:txBody>
       </p:sp>
@@ -4877,10 +8273,99 @@
         </p:nvSpPr>
         <p:spPr/>
         <p:txBody>
-          <a:bodyPr/>
-          <a:lstStyle/>
-          <a:p>
-            <a:endParaRPr lang="en-GB"/>
+          <a:bodyPr>
+            <a:normAutofit fontScale="77500" lnSpcReduction="20000"/>
+          </a:bodyPr>
+          <a:lstStyle/>
+          <a:p>
+            <a:pPr marL="514350" indent="-514350">
+              <a:buFont typeface="+mj-lt"/>
+              <a:buAutoNum type="arabicPeriod"/>
+            </a:pPr>
+            <a:r>
+              <a:rPr lang="en-GB" dirty="0"/>
+              <a:t>List the last names of actors, as well as how many actors have that last name.</a:t>
+            </a:r>
+          </a:p>
+          <a:p>
+            <a:pPr marL="514350" indent="-514350">
+              <a:buFont typeface="+mj-lt"/>
+              <a:buAutoNum type="arabicPeriod"/>
+            </a:pPr>
+            <a:r>
+              <a:rPr lang="en-GB" dirty="0"/>
+              <a:t>How many customers are there per store? Return the number of customers and the store id.</a:t>
+            </a:r>
+          </a:p>
+          <a:p>
+            <a:pPr marL="514350" indent="-514350">
+              <a:buFont typeface="+mj-lt"/>
+              <a:buAutoNum type="arabicPeriod"/>
+            </a:pPr>
+            <a:r>
+              <a:rPr lang="en-GB" dirty="0"/>
+              <a:t>When was the earliest order placed? Return the customer id(s) and the rental date(s).</a:t>
+            </a:r>
+          </a:p>
+          <a:p>
+            <a:pPr marL="914400" lvl="1" indent="-457200">
+              <a:buFont typeface="+mj-lt"/>
+              <a:buAutoNum type="arabicPeriod"/>
+            </a:pPr>
+            <a:r>
+              <a:rPr lang="en-GB" dirty="0"/>
+              <a:t>Return the name(s)</a:t>
+            </a:r>
+          </a:p>
+          <a:p>
+            <a:pPr marL="514350" indent="-514350">
+              <a:buFont typeface="+mj-lt"/>
+              <a:buAutoNum type="arabicPeriod"/>
+            </a:pPr>
+            <a:r>
+              <a:rPr lang="en-GB" dirty="0"/>
+              <a:t>What was the largest order placed by a customer?</a:t>
+            </a:r>
+          </a:p>
+          <a:p>
+            <a:pPr marL="514350" indent="-514350">
+              <a:buFont typeface="+mj-lt"/>
+              <a:buAutoNum type="arabicPeriod"/>
+            </a:pPr>
+            <a:r>
+              <a:rPr lang="en-GB" dirty="0"/>
+              <a:t>Find the average amount spent per film rating. Return the film rating and the amount.</a:t>
+            </a:r>
+          </a:p>
+          <a:p>
+            <a:pPr marL="514350" indent="-514350">
+              <a:buFont typeface="+mj-lt"/>
+              <a:buAutoNum type="arabicPeriod"/>
+            </a:pPr>
+            <a:r>
+              <a:rPr lang="en-GB" dirty="0"/>
+              <a:t>How many rented films have yet to be returned?</a:t>
+            </a:r>
+          </a:p>
+          <a:p>
+            <a:pPr marL="514350" indent="-514350">
+              <a:buFont typeface="+mj-lt"/>
+              <a:buAutoNum type="arabicPeriod"/>
+            </a:pPr>
+            <a:r>
+              <a:rPr lang="en-GB" dirty="0"/>
+              <a:t>How many copies of the film ‘Hunchback Impossible’ exist in the inventory system? Return the film id, title, and number of copies</a:t>
+            </a:r>
+          </a:p>
+          <a:p>
+            <a:pPr marL="514350" indent="-514350">
+              <a:buFont typeface="+mj-lt"/>
+              <a:buAutoNum type="arabicPeriod"/>
+            </a:pPr>
+            <a:r>
+              <a:rPr lang="en-GB" dirty="0"/>
+              <a:t>Advanced: Find the total income per store. Return the income per store, the first line of the store’s address and the first and last name of the store manager.</a:t>
+            </a:r>
           </a:p>
         </p:txBody>
       </p:sp>
@@ -5190,4 +8675,299 @@
     </a:ext>
   </a:extLst>
 </a:theme>
+</file>
+
+<file path=ppt/theme/theme2.xml><?xml version="1.0" encoding="utf-8"?>
+<a:theme xmlns:a="http://schemas.openxmlformats.org/drawingml/2006/main" name="Office Theme">
+  <a:themeElements>
+    <a:clrScheme name="Office">
+      <a:dk1>
+        <a:sysClr val="windowText" lastClr="000000"/>
+      </a:dk1>
+      <a:lt1>
+        <a:sysClr val="window" lastClr="FFFFFF"/>
+      </a:lt1>
+      <a:dk2>
+        <a:srgbClr val="44546A"/>
+      </a:dk2>
+      <a:lt2>
+        <a:srgbClr val="E7E6E6"/>
+      </a:lt2>
+      <a:accent1>
+        <a:srgbClr val="4472C4"/>
+      </a:accent1>
+      <a:accent2>
+        <a:srgbClr val="ED7D31"/>
+      </a:accent2>
+      <a:accent3>
+        <a:srgbClr val="A5A5A5"/>
+      </a:accent3>
+      <a:accent4>
+        <a:srgbClr val="FFC000"/>
+      </a:accent4>
+      <a:accent5>
+        <a:srgbClr val="5B9BD5"/>
+      </a:accent5>
+      <a:accent6>
+        <a:srgbClr val="70AD47"/>
+      </a:accent6>
+      <a:hlink>
+        <a:srgbClr val="0563C1"/>
+      </a:hlink>
+      <a:folHlink>
+        <a:srgbClr val="954F72"/>
+      </a:folHlink>
+    </a:clrScheme>
+    <a:fontScheme name="Office">
+      <a:majorFont>
+        <a:latin typeface="Calibri Light" panose="020F0302020204030204"/>
+        <a:ea typeface=""/>
+        <a:cs typeface=""/>
+        <a:font script="Jpan" typeface="游ゴシック Light"/>
+        <a:font script="Hang" typeface="맑은 고딕"/>
+        <a:font script="Hans" typeface="等线 Light"/>
+        <a:font script="Hant" typeface="新細明體"/>
+        <a:font script="Arab" typeface="Times New Roman"/>
+        <a:font script="Hebr" typeface="Times New Roman"/>
+        <a:font script="Thai" typeface="Angsana New"/>
+        <a:font script="Ethi" typeface="Nyala"/>
+        <a:font script="Beng" typeface="Vrinda"/>
+        <a:font script="Gujr" typeface="Shruti"/>
+        <a:font script="Khmr" typeface="MoolBoran"/>
+        <a:font script="Knda" typeface="Tunga"/>
+        <a:font script="Guru" typeface="Raavi"/>
+        <a:font script="Cans" typeface="Euphemia"/>
+        <a:font script="Cher" typeface="Plantagenet Cherokee"/>
+        <a:font script="Yiii" typeface="Microsoft Yi Baiti"/>
+        <a:font script="Tibt" typeface="Microsoft Himalaya"/>
+        <a:font script="Thaa" typeface="MV Boli"/>
+        <a:font script="Deva" typeface="Mangal"/>
+        <a:font script="Telu" typeface="Gautami"/>
+        <a:font script="Taml" typeface="Latha"/>
+        <a:font script="Syrc" typeface="Estrangelo Edessa"/>
+        <a:font script="Orya" typeface="Kalinga"/>
+        <a:font script="Mlym" typeface="Kartika"/>
+        <a:font script="Laoo" typeface="DokChampa"/>
+        <a:font script="Sinh" typeface="Iskoola Pota"/>
+        <a:font script="Mong" typeface="Mongolian Baiti"/>
+        <a:font script="Viet" typeface="Times New Roman"/>
+        <a:font script="Uigh" typeface="Microsoft Uighur"/>
+        <a:font script="Geor" typeface="Sylfaen"/>
+        <a:font script="Armn" typeface="Arial"/>
+        <a:font script="Bugi" typeface="Leelawadee UI"/>
+        <a:font script="Bopo" typeface="Microsoft JhengHei"/>
+        <a:font script="Java" typeface="Javanese Text"/>
+        <a:font script="Lisu" typeface="Segoe UI"/>
+        <a:font script="Mymr" typeface="Myanmar Text"/>
+        <a:font script="Nkoo" typeface="Ebrima"/>
+        <a:font script="Olck" typeface="Nirmala UI"/>
+        <a:font script="Osma" typeface="Ebrima"/>
+        <a:font script="Phag" typeface="Phagspa"/>
+        <a:font script="Syrn" typeface="Estrangelo Edessa"/>
+        <a:font script="Syrj" typeface="Estrangelo Edessa"/>
+        <a:font script="Syre" typeface="Estrangelo Edessa"/>
+        <a:font script="Sora" typeface="Nirmala UI"/>
+        <a:font script="Tale" typeface="Microsoft Tai Le"/>
+        <a:font script="Talu" typeface="Microsoft New Tai Lue"/>
+        <a:font script="Tfng" typeface="Ebrima"/>
+      </a:majorFont>
+      <a:minorFont>
+        <a:latin typeface="Calibri" panose="020F0502020204030204"/>
+        <a:ea typeface=""/>
+        <a:cs typeface=""/>
+        <a:font script="Jpan" typeface="游ゴシック"/>
+        <a:font script="Hang" typeface="맑은 고딕"/>
+        <a:font script="Hans" typeface="等线"/>
+        <a:font script="Hant" typeface="新細明體"/>
+        <a:font script="Arab" typeface="Arial"/>
+        <a:font script="Hebr" typeface="Arial"/>
+        <a:font script="Thai" typeface="Cordia New"/>
+        <a:font script="Ethi" typeface="Nyala"/>
+        <a:font script="Beng" typeface="Vrinda"/>
+        <a:font script="Gujr" typeface="Shruti"/>
+        <a:font script="Khmr" typeface="DaunPenh"/>
+        <a:font script="Knda" typeface="Tunga"/>
+        <a:font script="Guru" typeface="Raavi"/>
+        <a:font script="Cans" typeface="Euphemia"/>
+        <a:font script="Cher" typeface="Plantagenet Cherokee"/>
+        <a:font script="Yiii" typeface="Microsoft Yi Baiti"/>
+        <a:font script="Tibt" typeface="Microsoft Himalaya"/>
+        <a:font script="Thaa" typeface="MV Boli"/>
+        <a:font script="Deva" typeface="Mangal"/>
+        <a:font script="Telu" typeface="Gautami"/>
+        <a:font script="Taml" typeface="Latha"/>
+        <a:font script="Syrc" typeface="Estrangelo Edessa"/>
+        <a:font script="Orya" typeface="Kalinga"/>
+        <a:font script="Mlym" typeface="Kartika"/>
+        <a:font script="Laoo" typeface="DokChampa"/>
+        <a:font script="Sinh" typeface="Iskoola Pota"/>
+        <a:font script="Mong" typeface="Mongolian Baiti"/>
+        <a:font script="Viet" typeface="Arial"/>
+        <a:font script="Uigh" typeface="Microsoft Uighur"/>
+        <a:font script="Geor" typeface="Sylfaen"/>
+        <a:font script="Armn" typeface="Arial"/>
+        <a:font script="Bugi" typeface="Leelawadee UI"/>
+        <a:font script="Bopo" typeface="Microsoft JhengHei"/>
+        <a:font script="Java" typeface="Javanese Text"/>
+        <a:font script="Lisu" typeface="Segoe UI"/>
+        <a:font script="Mymr" typeface="Myanmar Text"/>
+        <a:font script="Nkoo" typeface="Ebrima"/>
+        <a:font script="Olck" typeface="Nirmala UI"/>
+        <a:font script="Osma" typeface="Ebrima"/>
+        <a:font script="Phag" typeface="Phagspa"/>
+        <a:font script="Syrn" typeface="Estrangelo Edessa"/>
+        <a:font script="Syrj" typeface="Estrangelo Edessa"/>
+        <a:font script="Syre" typeface="Estrangelo Edessa"/>
+        <a:font script="Sora" typeface="Nirmala UI"/>
+        <a:font script="Tale" typeface="Microsoft Tai Le"/>
+        <a:font script="Talu" typeface="Microsoft New Tai Lue"/>
+        <a:font script="Tfng" typeface="Ebrima"/>
+      </a:minorFont>
+    </a:fontScheme>
+    <a:fmtScheme name="Office">
+      <a:fillStyleLst>
+        <a:solidFill>
+          <a:schemeClr val="phClr"/>
+        </a:solidFill>
+        <a:gradFill rotWithShape="1">
+          <a:gsLst>
+            <a:gs pos="0">
+              <a:schemeClr val="phClr">
+                <a:lumMod val="110000"/>
+                <a:satMod val="105000"/>
+                <a:tint val="67000"/>
+              </a:schemeClr>
+            </a:gs>
+            <a:gs pos="50000">
+              <a:schemeClr val="phClr">
+                <a:lumMod val="105000"/>
+                <a:satMod val="103000"/>
+                <a:tint val="73000"/>
+              </a:schemeClr>
+            </a:gs>
+            <a:gs pos="100000">
+              <a:schemeClr val="phClr">
+                <a:lumMod val="105000"/>
+                <a:satMod val="109000"/>
+                <a:tint val="81000"/>
+              </a:schemeClr>
+            </a:gs>
+          </a:gsLst>
+          <a:lin ang="5400000" scaled="0"/>
+        </a:gradFill>
+        <a:gradFill rotWithShape="1">
+          <a:gsLst>
+            <a:gs pos="0">
+              <a:schemeClr val="phClr">
+                <a:satMod val="103000"/>
+                <a:lumMod val="102000"/>
+                <a:tint val="94000"/>
+              </a:schemeClr>
+            </a:gs>
+            <a:gs pos="50000">
+              <a:schemeClr val="phClr">
+                <a:satMod val="110000"/>
+                <a:lumMod val="100000"/>
+                <a:shade val="100000"/>
+              </a:schemeClr>
+            </a:gs>
+            <a:gs pos="100000">
+              <a:schemeClr val="phClr">
+                <a:lumMod val="99000"/>
+                <a:satMod val="120000"/>
+                <a:shade val="78000"/>
+              </a:schemeClr>
+            </a:gs>
+          </a:gsLst>
+          <a:lin ang="5400000" scaled="0"/>
+        </a:gradFill>
+      </a:fillStyleLst>
+      <a:lnStyleLst>
+        <a:ln w="6350" cap="flat" cmpd="sng" algn="ctr">
+          <a:solidFill>
+            <a:schemeClr val="phClr"/>
+          </a:solidFill>
+          <a:prstDash val="solid"/>
+          <a:miter lim="800000"/>
+        </a:ln>
+        <a:ln w="12700" cap="flat" cmpd="sng" algn="ctr">
+          <a:solidFill>
+            <a:schemeClr val="phClr"/>
+          </a:solidFill>
+          <a:prstDash val="solid"/>
+          <a:miter lim="800000"/>
+        </a:ln>
+        <a:ln w="19050" cap="flat" cmpd="sng" algn="ctr">
+          <a:solidFill>
+            <a:schemeClr val="phClr"/>
+          </a:solidFill>
+          <a:prstDash val="solid"/>
+          <a:miter lim="800000"/>
+        </a:ln>
+      </a:lnStyleLst>
+      <a:effectStyleLst>
+        <a:effectStyle>
+          <a:effectLst/>
+        </a:effectStyle>
+        <a:effectStyle>
+          <a:effectLst/>
+        </a:effectStyle>
+        <a:effectStyle>
+          <a:effectLst>
+            <a:outerShdw blurRad="57150" dist="19050" dir="5400000" algn="ctr" rotWithShape="0">
+              <a:srgbClr val="000000">
+                <a:alpha val="63000"/>
+              </a:srgbClr>
+            </a:outerShdw>
+          </a:effectLst>
+        </a:effectStyle>
+      </a:effectStyleLst>
+      <a:bgFillStyleLst>
+        <a:solidFill>
+          <a:schemeClr val="phClr"/>
+        </a:solidFill>
+        <a:solidFill>
+          <a:schemeClr val="phClr">
+            <a:tint val="95000"/>
+            <a:satMod val="170000"/>
+          </a:schemeClr>
+        </a:solidFill>
+        <a:gradFill rotWithShape="1">
+          <a:gsLst>
+            <a:gs pos="0">
+              <a:schemeClr val="phClr">
+                <a:tint val="93000"/>
+                <a:satMod val="150000"/>
+                <a:shade val="98000"/>
+                <a:lumMod val="102000"/>
+              </a:schemeClr>
+            </a:gs>
+            <a:gs pos="50000">
+              <a:schemeClr val="phClr">
+                <a:tint val="98000"/>
+                <a:satMod val="130000"/>
+                <a:shade val="90000"/>
+                <a:lumMod val="103000"/>
+              </a:schemeClr>
+            </a:gs>
+            <a:gs pos="100000">
+              <a:schemeClr val="phClr">
+                <a:shade val="63000"/>
+                <a:satMod val="120000"/>
+              </a:schemeClr>
+            </a:gs>
+          </a:gsLst>
+          <a:lin ang="5400000" scaled="0"/>
+        </a:gradFill>
+      </a:bgFillStyleLst>
+    </a:fmtScheme>
+  </a:themeElements>
+  <a:objectDefaults/>
+  <a:extraClrSchemeLst/>
+  <a:extLst>
+    <a:ext uri="{05A4C25C-085E-4340-85A3-A5531E510DB2}">
+      <thm15:themeFamily xmlns:thm15="http://schemas.microsoft.com/office/thememl/2012/main" name="Office Theme" id="{62F939B6-93AF-4DB8-9C6B-D6C7DFDC589F}" vid="{4A3C46E8-61CC-4603-A589-7422A47A8E4A}"/>
+    </a:ext>
+  </a:extLst>
+</a:theme>
 </file>
--- a/Chapter 2. Python for Data Scientists/Module 2. SQL/2. SQL Aggregations.pptx
+++ b/Chapter 2. Python for Data Scientists/Module 2. SQL/2. SQL Aggregations.pptx
@@ -214,7 +214,7 @@
           <a:p>
             <a:fld id="{1B459E4F-CE09-470E-A053-1F75FE5590FD}" type="datetimeFigureOut">
               <a:rPr lang="en-GB" smtClean="0"/>
-              <a:t>04/07/2020</a:t>
+              <a:t>05/07/2020</a:t>
             </a:fld>
             <a:endParaRPr lang="en-GB"/>
           </a:p>
@@ -1456,7 +1456,7 @@
           <a:p>
             <a:fld id="{139FB17E-009F-48E4-A3F5-EB7575EAFD61}" type="datetimeFigureOut">
               <a:rPr lang="en-GB" smtClean="0"/>
-              <a:t>04/07/2020</a:t>
+              <a:t>05/07/2020</a:t>
             </a:fld>
             <a:endParaRPr lang="en-GB"/>
           </a:p>
@@ -1656,7 +1656,7 @@
           <a:p>
             <a:fld id="{139FB17E-009F-48E4-A3F5-EB7575EAFD61}" type="datetimeFigureOut">
               <a:rPr lang="en-GB" smtClean="0"/>
-              <a:t>04/07/2020</a:t>
+              <a:t>05/07/2020</a:t>
             </a:fld>
             <a:endParaRPr lang="en-GB"/>
           </a:p>
@@ -1866,7 +1866,7 @@
           <a:p>
             <a:fld id="{139FB17E-009F-48E4-A3F5-EB7575EAFD61}" type="datetimeFigureOut">
               <a:rPr lang="en-GB" smtClean="0"/>
-              <a:t>04/07/2020</a:t>
+              <a:t>05/07/2020</a:t>
             </a:fld>
             <a:endParaRPr lang="en-GB"/>
           </a:p>
@@ -2066,7 +2066,7 @@
           <a:p>
             <a:fld id="{139FB17E-009F-48E4-A3F5-EB7575EAFD61}" type="datetimeFigureOut">
               <a:rPr lang="en-GB" smtClean="0"/>
-              <a:t>04/07/2020</a:t>
+              <a:t>05/07/2020</a:t>
             </a:fld>
             <a:endParaRPr lang="en-GB"/>
           </a:p>
@@ -2342,7 +2342,7 @@
           <a:p>
             <a:fld id="{139FB17E-009F-48E4-A3F5-EB7575EAFD61}" type="datetimeFigureOut">
               <a:rPr lang="en-GB" smtClean="0"/>
-              <a:t>04/07/2020</a:t>
+              <a:t>05/07/2020</a:t>
             </a:fld>
             <a:endParaRPr lang="en-GB"/>
           </a:p>
@@ -2610,7 +2610,7 @@
           <a:p>
             <a:fld id="{139FB17E-009F-48E4-A3F5-EB7575EAFD61}" type="datetimeFigureOut">
               <a:rPr lang="en-GB" smtClean="0"/>
-              <a:t>04/07/2020</a:t>
+              <a:t>05/07/2020</a:t>
             </a:fld>
             <a:endParaRPr lang="en-GB"/>
           </a:p>
@@ -3025,7 +3025,7 @@
           <a:p>
             <a:fld id="{139FB17E-009F-48E4-A3F5-EB7575EAFD61}" type="datetimeFigureOut">
               <a:rPr lang="en-GB" smtClean="0"/>
-              <a:t>04/07/2020</a:t>
+              <a:t>05/07/2020</a:t>
             </a:fld>
             <a:endParaRPr lang="en-GB"/>
           </a:p>
@@ -3167,7 +3167,7 @@
           <a:p>
             <a:fld id="{139FB17E-009F-48E4-A3F5-EB7575EAFD61}" type="datetimeFigureOut">
               <a:rPr lang="en-GB" smtClean="0"/>
-              <a:t>04/07/2020</a:t>
+              <a:t>05/07/2020</a:t>
             </a:fld>
             <a:endParaRPr lang="en-GB"/>
           </a:p>
@@ -3280,7 +3280,7 @@
           <a:p>
             <a:fld id="{139FB17E-009F-48E4-A3F5-EB7575EAFD61}" type="datetimeFigureOut">
               <a:rPr lang="en-GB" smtClean="0"/>
-              <a:t>04/07/2020</a:t>
+              <a:t>05/07/2020</a:t>
             </a:fld>
             <a:endParaRPr lang="en-GB"/>
           </a:p>
@@ -3593,7 +3593,7 @@
           <a:p>
             <a:fld id="{139FB17E-009F-48E4-A3F5-EB7575EAFD61}" type="datetimeFigureOut">
               <a:rPr lang="en-GB" smtClean="0"/>
-              <a:t>04/07/2020</a:t>
+              <a:t>05/07/2020</a:t>
             </a:fld>
             <a:endParaRPr lang="en-GB"/>
           </a:p>
@@ -3882,7 +3882,7 @@
           <a:p>
             <a:fld id="{139FB17E-009F-48E4-A3F5-EB7575EAFD61}" type="datetimeFigureOut">
               <a:rPr lang="en-GB" smtClean="0"/>
-              <a:t>04/07/2020</a:t>
+              <a:t>05/07/2020</a:t>
             </a:fld>
             <a:endParaRPr lang="en-GB"/>
           </a:p>
@@ -4125,7 +4125,7 @@
           <a:p>
             <a:fld id="{139FB17E-009F-48E4-A3F5-EB7575EAFD61}" type="datetimeFigureOut">
               <a:rPr lang="en-GB" smtClean="0"/>
-              <a:t>04/07/2020</a:t>
+              <a:t>05/07/2020</a:t>
             </a:fld>
             <a:endParaRPr lang="en-GB"/>
           </a:p>
@@ -5835,7 +5835,7 @@
         <p:spPr/>
         <p:txBody>
           <a:bodyPr>
-            <a:normAutofit fontScale="92500"/>
+            <a:normAutofit fontScale="92500" lnSpcReduction="20000"/>
           </a:bodyPr>
           <a:lstStyle/>
           <a:p>
@@ -5856,6 +5856,16 @@
             <a:r>
               <a:rPr lang="en-GB" dirty="0"/>
               <a:t>Which 3 days of the week are most profitable for the business?</a:t>
+            </a:r>
+          </a:p>
+          <a:p>
+            <a:pPr marL="514350" indent="-514350">
+              <a:buFont typeface="+mj-lt"/>
+              <a:buAutoNum type="arabicPeriod"/>
+            </a:pPr>
+            <a:r>
+              <a:rPr lang="en-GB" dirty="0"/>
+              <a:t>Return the total sales per day, along with the number of movies rented for that day</a:t>
             </a:r>
           </a:p>
           <a:p>
